--- a/presentation/Sentiment Analysis Using a Deep Neural Network.pptx
+++ b/presentation/Sentiment Analysis Using a Deep Neural Network.pptx
@@ -4,6 +4,9 @@
   <p:sldMasterIdLst>
     <p:sldMasterId id="2147483648" r:id="rId1"/>
   </p:sldMasterIdLst>
+  <p:notesMasterIdLst>
+    <p:notesMasterId r:id="rId23"/>
+  </p:notesMasterIdLst>
   <p:sldIdLst>
     <p:sldId id="256" r:id="rId2"/>
     <p:sldId id="258" r:id="rId3"/>
@@ -17,13 +20,15 @@
     <p:sldId id="271" r:id="rId11"/>
     <p:sldId id="262" r:id="rId12"/>
     <p:sldId id="263" r:id="rId13"/>
-    <p:sldId id="264" r:id="rId14"/>
-    <p:sldId id="265" r:id="rId15"/>
-    <p:sldId id="272" r:id="rId16"/>
-    <p:sldId id="274" r:id="rId17"/>
-    <p:sldId id="266" r:id="rId18"/>
-    <p:sldId id="267" r:id="rId19"/>
-    <p:sldId id="273" r:id="rId20"/>
+    <p:sldId id="275" r:id="rId14"/>
+    <p:sldId id="276" r:id="rId15"/>
+    <p:sldId id="264" r:id="rId16"/>
+    <p:sldId id="265" r:id="rId17"/>
+    <p:sldId id="272" r:id="rId18"/>
+    <p:sldId id="274" r:id="rId19"/>
+    <p:sldId id="266" r:id="rId20"/>
+    <p:sldId id="267" r:id="rId21"/>
+    <p:sldId id="273" r:id="rId22"/>
   </p:sldIdLst>
   <p:sldSz cx="12192000" cy="6858000"/>
   <p:notesSz cx="6858000" cy="9144000"/>
@@ -122,7 +127,462 @@
       </a:defRPr>
     </a:lvl9pPr>
   </p:defaultTextStyle>
+  <p:extLst>
+    <p:ext uri="{EFAFB233-063F-42B5-8137-9DF3F51BA10A}">
+      <p15:sldGuideLst xmlns:p15="http://schemas.microsoft.com/office/powerpoint/2012/main"/>
+    </p:ext>
+  </p:extLst>
 </p:presentation>
+</file>
+
+<file path=ppt/notesMasters/notesMaster1.xml><?xml version="1.0" encoding="utf-8"?>
+<p:notesMaster xmlns:a="http://schemas.openxmlformats.org/drawingml/2006/main" xmlns:r="http://schemas.openxmlformats.org/officeDocument/2006/relationships" xmlns:p="http://schemas.openxmlformats.org/presentationml/2006/main">
+  <p:cSld>
+    <p:bg>
+      <p:bgRef idx="1001">
+        <a:schemeClr val="bg1"/>
+      </p:bgRef>
+    </p:bg>
+    <p:spTree>
+      <p:nvGrpSpPr>
+        <p:cNvPr id="1" name=""/>
+        <p:cNvGrpSpPr/>
+        <p:nvPr/>
+      </p:nvGrpSpPr>
+      <p:grpSpPr>
+        <a:xfrm>
+          <a:off x="0" y="0"/>
+          <a:ext cx="0" cy="0"/>
+          <a:chOff x="0" y="0"/>
+          <a:chExt cx="0" cy="0"/>
+        </a:xfrm>
+      </p:grpSpPr>
+      <p:sp>
+        <p:nvSpPr>
+          <p:cNvPr id="2" name="Header Placeholder 1"/>
+          <p:cNvSpPr>
+            <a:spLocks noGrp="1"/>
+          </p:cNvSpPr>
+          <p:nvPr>
+            <p:ph type="hdr" sz="quarter"/>
+          </p:nvPr>
+        </p:nvSpPr>
+        <p:spPr>
+          <a:xfrm>
+            <a:off x="0" y="0"/>
+            <a:ext cx="2971800" cy="458788"/>
+          </a:xfrm>
+          <a:prstGeom prst="rect">
+            <a:avLst/>
+          </a:prstGeom>
+        </p:spPr>
+        <p:txBody>
+          <a:bodyPr vert="horz" lIns="91440" tIns="45720" rIns="91440" bIns="45720" rtlCol="0"/>
+          <a:lstStyle>
+            <a:lvl1pPr algn="l">
+              <a:defRPr sz="1200"/>
+            </a:lvl1pPr>
+          </a:lstStyle>
+          <a:p>
+            <a:endParaRPr lang="en-US"/>
+          </a:p>
+        </p:txBody>
+      </p:sp>
+      <p:sp>
+        <p:nvSpPr>
+          <p:cNvPr id="3" name="Date Placeholder 2"/>
+          <p:cNvSpPr>
+            <a:spLocks noGrp="1"/>
+          </p:cNvSpPr>
+          <p:nvPr>
+            <p:ph type="dt" idx="1"/>
+          </p:nvPr>
+        </p:nvSpPr>
+        <p:spPr>
+          <a:xfrm>
+            <a:off x="3884613" y="0"/>
+            <a:ext cx="2971800" cy="458788"/>
+          </a:xfrm>
+          <a:prstGeom prst="rect">
+            <a:avLst/>
+          </a:prstGeom>
+        </p:spPr>
+        <p:txBody>
+          <a:bodyPr vert="horz" lIns="91440" tIns="45720" rIns="91440" bIns="45720" rtlCol="0"/>
+          <a:lstStyle>
+            <a:lvl1pPr algn="r">
+              <a:defRPr sz="1200"/>
+            </a:lvl1pPr>
+          </a:lstStyle>
+          <a:p>
+            <a:fld id="{5539BBFE-8329-4F07-8D91-894926382203}" type="datetimeFigureOut">
+              <a:rPr lang="en-US" smtClean="0"/>
+              <a:t>11/29/2018</a:t>
+            </a:fld>
+            <a:endParaRPr lang="en-US"/>
+          </a:p>
+        </p:txBody>
+      </p:sp>
+      <p:sp>
+        <p:nvSpPr>
+          <p:cNvPr id="4" name="Slide Image Placeholder 3"/>
+          <p:cNvSpPr>
+            <a:spLocks noGrp="1" noRot="1" noChangeAspect="1"/>
+          </p:cNvSpPr>
+          <p:nvPr>
+            <p:ph type="sldImg" idx="2"/>
+          </p:nvPr>
+        </p:nvSpPr>
+        <p:spPr>
+          <a:xfrm>
+            <a:off x="685800" y="1143000"/>
+            <a:ext cx="5486400" cy="3086100"/>
+          </a:xfrm>
+          <a:prstGeom prst="rect">
+            <a:avLst/>
+          </a:prstGeom>
+          <a:noFill/>
+          <a:ln w="12700">
+            <a:solidFill>
+              <a:prstClr val="black"/>
+            </a:solidFill>
+          </a:ln>
+        </p:spPr>
+        <p:txBody>
+          <a:bodyPr vert="horz" lIns="91440" tIns="45720" rIns="91440" bIns="45720" rtlCol="0" anchor="ctr"/>
+          <a:lstStyle/>
+          <a:p>
+            <a:endParaRPr lang="en-US"/>
+          </a:p>
+        </p:txBody>
+      </p:sp>
+      <p:sp>
+        <p:nvSpPr>
+          <p:cNvPr id="5" name="Notes Placeholder 4"/>
+          <p:cNvSpPr>
+            <a:spLocks noGrp="1"/>
+          </p:cNvSpPr>
+          <p:nvPr>
+            <p:ph type="body" sz="quarter" idx="3"/>
+          </p:nvPr>
+        </p:nvSpPr>
+        <p:spPr>
+          <a:xfrm>
+            <a:off x="685800" y="4400550"/>
+            <a:ext cx="5486400" cy="3600450"/>
+          </a:xfrm>
+          <a:prstGeom prst="rect">
+            <a:avLst/>
+          </a:prstGeom>
+        </p:spPr>
+        <p:txBody>
+          <a:bodyPr vert="horz" lIns="91440" tIns="45720" rIns="91440" bIns="45720" rtlCol="0"/>
+          <a:lstStyle/>
+          <a:p>
+            <a:pPr lvl="0"/>
+            <a:r>
+              <a:rPr lang="en-US"/>
+              <a:t>Edit Master text styles</a:t>
+            </a:r>
+          </a:p>
+          <a:p>
+            <a:pPr lvl="1"/>
+            <a:r>
+              <a:rPr lang="en-US"/>
+              <a:t>Second level</a:t>
+            </a:r>
+          </a:p>
+          <a:p>
+            <a:pPr lvl="2"/>
+            <a:r>
+              <a:rPr lang="en-US"/>
+              <a:t>Third level</a:t>
+            </a:r>
+          </a:p>
+          <a:p>
+            <a:pPr lvl="3"/>
+            <a:r>
+              <a:rPr lang="en-US"/>
+              <a:t>Fourth level</a:t>
+            </a:r>
+          </a:p>
+          <a:p>
+            <a:pPr lvl="4"/>
+            <a:r>
+              <a:rPr lang="en-US"/>
+              <a:t>Fifth level</a:t>
+            </a:r>
+          </a:p>
+        </p:txBody>
+      </p:sp>
+      <p:sp>
+        <p:nvSpPr>
+          <p:cNvPr id="6" name="Footer Placeholder 5"/>
+          <p:cNvSpPr>
+            <a:spLocks noGrp="1"/>
+          </p:cNvSpPr>
+          <p:nvPr>
+            <p:ph type="ftr" sz="quarter" idx="4"/>
+          </p:nvPr>
+        </p:nvSpPr>
+        <p:spPr>
+          <a:xfrm>
+            <a:off x="0" y="8685213"/>
+            <a:ext cx="2971800" cy="458787"/>
+          </a:xfrm>
+          <a:prstGeom prst="rect">
+            <a:avLst/>
+          </a:prstGeom>
+        </p:spPr>
+        <p:txBody>
+          <a:bodyPr vert="horz" lIns="91440" tIns="45720" rIns="91440" bIns="45720" rtlCol="0" anchor="b"/>
+          <a:lstStyle>
+            <a:lvl1pPr algn="l">
+              <a:defRPr sz="1200"/>
+            </a:lvl1pPr>
+          </a:lstStyle>
+          <a:p>
+            <a:endParaRPr lang="en-US"/>
+          </a:p>
+        </p:txBody>
+      </p:sp>
+      <p:sp>
+        <p:nvSpPr>
+          <p:cNvPr id="7" name="Slide Number Placeholder 6"/>
+          <p:cNvSpPr>
+            <a:spLocks noGrp="1"/>
+          </p:cNvSpPr>
+          <p:nvPr>
+            <p:ph type="sldNum" sz="quarter" idx="5"/>
+          </p:nvPr>
+        </p:nvSpPr>
+        <p:spPr>
+          <a:xfrm>
+            <a:off x="3884613" y="8685213"/>
+            <a:ext cx="2971800" cy="458787"/>
+          </a:xfrm>
+          <a:prstGeom prst="rect">
+            <a:avLst/>
+          </a:prstGeom>
+        </p:spPr>
+        <p:txBody>
+          <a:bodyPr vert="horz" lIns="91440" tIns="45720" rIns="91440" bIns="45720" rtlCol="0" anchor="b"/>
+          <a:lstStyle>
+            <a:lvl1pPr algn="r">
+              <a:defRPr sz="1200"/>
+            </a:lvl1pPr>
+          </a:lstStyle>
+          <a:p>
+            <a:fld id="{C341CAAC-71A7-4364-B361-21D8DE523C08}" type="slidenum">
+              <a:rPr lang="en-US" smtClean="0"/>
+              <a:t>‹#›</a:t>
+            </a:fld>
+            <a:endParaRPr lang="en-US"/>
+          </a:p>
+        </p:txBody>
+      </p:sp>
+    </p:spTree>
+    <p:extLst>
+      <p:ext uri="{BB962C8B-B14F-4D97-AF65-F5344CB8AC3E}">
+        <p14:creationId xmlns:p14="http://schemas.microsoft.com/office/powerpoint/2010/main" val="2151062530"/>
+      </p:ext>
+    </p:extLst>
+  </p:cSld>
+  <p:clrMap bg1="lt1" tx1="dk1" bg2="lt2" tx2="dk2" accent1="accent1" accent2="accent2" accent3="accent3" accent4="accent4" accent5="accent5" accent6="accent6" hlink="hlink" folHlink="folHlink"/>
+  <p:notesStyle>
+    <a:lvl1pPr marL="0" algn="l" defTabSz="914400" rtl="0" eaLnBrk="1" latinLnBrk="0" hangingPunct="1">
+      <a:defRPr sz="1200" kern="1200">
+        <a:solidFill>
+          <a:schemeClr val="tx1"/>
+        </a:solidFill>
+        <a:latin typeface="+mn-lt"/>
+        <a:ea typeface="+mn-ea"/>
+        <a:cs typeface="+mn-cs"/>
+      </a:defRPr>
+    </a:lvl1pPr>
+    <a:lvl2pPr marL="457200" algn="l" defTabSz="914400" rtl="0" eaLnBrk="1" latinLnBrk="0" hangingPunct="1">
+      <a:defRPr sz="1200" kern="1200">
+        <a:solidFill>
+          <a:schemeClr val="tx1"/>
+        </a:solidFill>
+        <a:latin typeface="+mn-lt"/>
+        <a:ea typeface="+mn-ea"/>
+        <a:cs typeface="+mn-cs"/>
+      </a:defRPr>
+    </a:lvl2pPr>
+    <a:lvl3pPr marL="914400" algn="l" defTabSz="914400" rtl="0" eaLnBrk="1" latinLnBrk="0" hangingPunct="1">
+      <a:defRPr sz="1200" kern="1200">
+        <a:solidFill>
+          <a:schemeClr val="tx1"/>
+        </a:solidFill>
+        <a:latin typeface="+mn-lt"/>
+        <a:ea typeface="+mn-ea"/>
+        <a:cs typeface="+mn-cs"/>
+      </a:defRPr>
+    </a:lvl3pPr>
+    <a:lvl4pPr marL="1371600" algn="l" defTabSz="914400" rtl="0" eaLnBrk="1" latinLnBrk="0" hangingPunct="1">
+      <a:defRPr sz="1200" kern="1200">
+        <a:solidFill>
+          <a:schemeClr val="tx1"/>
+        </a:solidFill>
+        <a:latin typeface="+mn-lt"/>
+        <a:ea typeface="+mn-ea"/>
+        <a:cs typeface="+mn-cs"/>
+      </a:defRPr>
+    </a:lvl4pPr>
+    <a:lvl5pPr marL="1828800" algn="l" defTabSz="914400" rtl="0" eaLnBrk="1" latinLnBrk="0" hangingPunct="1">
+      <a:defRPr sz="1200" kern="1200">
+        <a:solidFill>
+          <a:schemeClr val="tx1"/>
+        </a:solidFill>
+        <a:latin typeface="+mn-lt"/>
+        <a:ea typeface="+mn-ea"/>
+        <a:cs typeface="+mn-cs"/>
+      </a:defRPr>
+    </a:lvl5pPr>
+    <a:lvl6pPr marL="2286000" algn="l" defTabSz="914400" rtl="0" eaLnBrk="1" latinLnBrk="0" hangingPunct="1">
+      <a:defRPr sz="1200" kern="1200">
+        <a:solidFill>
+          <a:schemeClr val="tx1"/>
+        </a:solidFill>
+        <a:latin typeface="+mn-lt"/>
+        <a:ea typeface="+mn-ea"/>
+        <a:cs typeface="+mn-cs"/>
+      </a:defRPr>
+    </a:lvl6pPr>
+    <a:lvl7pPr marL="2743200" algn="l" defTabSz="914400" rtl="0" eaLnBrk="1" latinLnBrk="0" hangingPunct="1">
+      <a:defRPr sz="1200" kern="1200">
+        <a:solidFill>
+          <a:schemeClr val="tx1"/>
+        </a:solidFill>
+        <a:latin typeface="+mn-lt"/>
+        <a:ea typeface="+mn-ea"/>
+        <a:cs typeface="+mn-cs"/>
+      </a:defRPr>
+    </a:lvl7pPr>
+    <a:lvl8pPr marL="3200400" algn="l" defTabSz="914400" rtl="0" eaLnBrk="1" latinLnBrk="0" hangingPunct="1">
+      <a:defRPr sz="1200" kern="1200">
+        <a:solidFill>
+          <a:schemeClr val="tx1"/>
+        </a:solidFill>
+        <a:latin typeface="+mn-lt"/>
+        <a:ea typeface="+mn-ea"/>
+        <a:cs typeface="+mn-cs"/>
+      </a:defRPr>
+    </a:lvl8pPr>
+    <a:lvl9pPr marL="3657600" algn="l" defTabSz="914400" rtl="0" eaLnBrk="1" latinLnBrk="0" hangingPunct="1">
+      <a:defRPr sz="1200" kern="1200">
+        <a:solidFill>
+          <a:schemeClr val="tx1"/>
+        </a:solidFill>
+        <a:latin typeface="+mn-lt"/>
+        <a:ea typeface="+mn-ea"/>
+        <a:cs typeface="+mn-cs"/>
+      </a:defRPr>
+    </a:lvl9pPr>
+  </p:notesStyle>
+</p:notesMaster>
+</file>
+
+<file path=ppt/notesSlides/notesSlide1.xml><?xml version="1.0" encoding="utf-8"?>
+<p:notes xmlns:a="http://schemas.openxmlformats.org/drawingml/2006/main" xmlns:r="http://schemas.openxmlformats.org/officeDocument/2006/relationships" xmlns:p="http://schemas.openxmlformats.org/presentationml/2006/main">
+  <p:cSld>
+    <p:spTree>
+      <p:nvGrpSpPr>
+        <p:cNvPr id="1" name=""/>
+        <p:cNvGrpSpPr/>
+        <p:nvPr/>
+      </p:nvGrpSpPr>
+      <p:grpSpPr>
+        <a:xfrm>
+          <a:off x="0" y="0"/>
+          <a:ext cx="0" cy="0"/>
+          <a:chOff x="0" y="0"/>
+          <a:chExt cx="0" cy="0"/>
+        </a:xfrm>
+      </p:grpSpPr>
+      <p:sp>
+        <p:nvSpPr>
+          <p:cNvPr id="2" name="Slide Image Placeholder 1"/>
+          <p:cNvSpPr>
+            <a:spLocks noGrp="1" noRot="1" noChangeAspect="1"/>
+          </p:cNvSpPr>
+          <p:nvPr>
+            <p:ph type="sldImg"/>
+          </p:nvPr>
+        </p:nvSpPr>
+        <p:spPr/>
+      </p:sp>
+      <p:sp>
+        <p:nvSpPr>
+          <p:cNvPr id="3" name="Notes Placeholder 2"/>
+          <p:cNvSpPr>
+            <a:spLocks noGrp="1"/>
+          </p:cNvSpPr>
+          <p:nvPr>
+            <p:ph type="body" idx="1"/>
+          </p:nvPr>
+        </p:nvSpPr>
+        <p:spPr/>
+        <p:txBody>
+          <a:bodyPr/>
+          <a:lstStyle/>
+          <a:p>
+            <a:r>
+              <a:rPr lang="en-US" dirty="0" err="1"/>
+              <a:t>DictVectorizer</a:t>
+            </a:r>
+            <a:r>
+              <a:rPr lang="en-US" dirty="0"/>
+              <a:t> turns the dictionary of features into a vector.</a:t>
+            </a:r>
+          </a:p>
+          <a:p>
+            <a:r>
+              <a:rPr lang="en-US" dirty="0" err="1"/>
+              <a:t>LabelEncoder</a:t>
+            </a:r>
+            <a:r>
+              <a:rPr lang="en-US" dirty="0"/>
+              <a:t> turns the label into a number representation.</a:t>
+            </a:r>
+          </a:p>
+        </p:txBody>
+      </p:sp>
+      <p:sp>
+        <p:nvSpPr>
+          <p:cNvPr id="4" name="Slide Number Placeholder 3"/>
+          <p:cNvSpPr>
+            <a:spLocks noGrp="1"/>
+          </p:cNvSpPr>
+          <p:nvPr>
+            <p:ph type="sldNum" sz="quarter" idx="5"/>
+          </p:nvPr>
+        </p:nvSpPr>
+        <p:spPr/>
+        <p:txBody>
+          <a:bodyPr/>
+          <a:lstStyle/>
+          <a:p>
+            <a:fld id="{C341CAAC-71A7-4364-B361-21D8DE523C08}" type="slidenum">
+              <a:rPr lang="en-US" smtClean="0"/>
+              <a:t>14</a:t>
+            </a:fld>
+            <a:endParaRPr lang="en-US"/>
+          </a:p>
+        </p:txBody>
+      </p:sp>
+    </p:spTree>
+    <p:extLst>
+      <p:ext uri="{BB962C8B-B14F-4D97-AF65-F5344CB8AC3E}">
+        <p14:creationId xmlns:p14="http://schemas.microsoft.com/office/powerpoint/2010/main" val="290789199"/>
+      </p:ext>
+    </p:extLst>
+  </p:cSld>
+  <p:clrMapOvr>
+    <a:masterClrMapping/>
+  </p:clrMapOvr>
+</p:notes>
 </file>
 
 <file path=ppt/slideLayouts/slideLayout1.xml><?xml version="1.0" encoding="utf-8"?>
@@ -167,10 +627,9 @@
           </a:lstStyle>
           <a:p>
             <a:r>
-              <a:rPr lang="en-US" smtClean="0"/>
+              <a:rPr lang="en-US"/>
               <a:t>Click to edit Master title style</a:t>
             </a:r>
-            <a:endParaRPr lang="en-US"/>
           </a:p>
         </p:txBody>
       </p:sp>
@@ -232,10 +691,9 @@
           </a:lstStyle>
           <a:p>
             <a:r>
-              <a:rPr lang="en-US" smtClean="0"/>
+              <a:rPr lang="en-US"/>
               <a:t>Click to edit Master subtitle style</a:t>
             </a:r>
-            <a:endParaRPr lang="en-US"/>
           </a:p>
         </p:txBody>
       </p:sp>
@@ -350,10 +808,9 @@
           <a:lstStyle/>
           <a:p>
             <a:r>
-              <a:rPr lang="en-US" smtClean="0"/>
+              <a:rPr lang="en-US"/>
               <a:t>Click to edit Master title style</a:t>
             </a:r>
-            <a:endParaRPr lang="en-US"/>
           </a:p>
         </p:txBody>
       </p:sp>
@@ -374,38 +831,37 @@
           <a:p>
             <a:pPr lvl="0"/>
             <a:r>
-              <a:rPr lang="en-US" smtClean="0"/>
+              <a:rPr lang="en-US"/>
               <a:t>Edit Master text styles</a:t>
             </a:r>
           </a:p>
           <a:p>
             <a:pPr lvl="1"/>
             <a:r>
-              <a:rPr lang="en-US" smtClean="0"/>
+              <a:rPr lang="en-US"/>
               <a:t>Second level</a:t>
             </a:r>
           </a:p>
           <a:p>
             <a:pPr lvl="2"/>
             <a:r>
-              <a:rPr lang="en-US" smtClean="0"/>
+              <a:rPr lang="en-US"/>
               <a:t>Third level</a:t>
             </a:r>
           </a:p>
           <a:p>
             <a:pPr lvl="3"/>
             <a:r>
-              <a:rPr lang="en-US" smtClean="0"/>
+              <a:rPr lang="en-US"/>
               <a:t>Fourth level</a:t>
             </a:r>
           </a:p>
           <a:p>
             <a:pPr lvl="4"/>
             <a:r>
-              <a:rPr lang="en-US" smtClean="0"/>
+              <a:rPr lang="en-US"/>
               <a:t>Fifth level</a:t>
             </a:r>
-            <a:endParaRPr lang="en-US"/>
           </a:p>
         </p:txBody>
       </p:sp>
@@ -525,10 +981,9 @@
           <a:lstStyle/>
           <a:p>
             <a:r>
-              <a:rPr lang="en-US" smtClean="0"/>
+              <a:rPr lang="en-US"/>
               <a:t>Click to edit Master title style</a:t>
             </a:r>
-            <a:endParaRPr lang="en-US"/>
           </a:p>
         </p:txBody>
       </p:sp>
@@ -554,38 +1009,37 @@
           <a:p>
             <a:pPr lvl="0"/>
             <a:r>
-              <a:rPr lang="en-US" smtClean="0"/>
+              <a:rPr lang="en-US"/>
               <a:t>Edit Master text styles</a:t>
             </a:r>
           </a:p>
           <a:p>
             <a:pPr lvl="1"/>
             <a:r>
-              <a:rPr lang="en-US" smtClean="0"/>
+              <a:rPr lang="en-US"/>
               <a:t>Second level</a:t>
             </a:r>
           </a:p>
           <a:p>
             <a:pPr lvl="2"/>
             <a:r>
-              <a:rPr lang="en-US" smtClean="0"/>
+              <a:rPr lang="en-US"/>
               <a:t>Third level</a:t>
             </a:r>
           </a:p>
           <a:p>
             <a:pPr lvl="3"/>
             <a:r>
-              <a:rPr lang="en-US" smtClean="0"/>
+              <a:rPr lang="en-US"/>
               <a:t>Fourth level</a:t>
             </a:r>
           </a:p>
           <a:p>
             <a:pPr lvl="4"/>
             <a:r>
-              <a:rPr lang="en-US" smtClean="0"/>
+              <a:rPr lang="en-US"/>
               <a:t>Fifth level</a:t>
             </a:r>
-            <a:endParaRPr lang="en-US"/>
           </a:p>
         </p:txBody>
       </p:sp>
@@ -700,10 +1154,9 @@
           <a:lstStyle/>
           <a:p>
             <a:r>
-              <a:rPr lang="en-US" smtClean="0"/>
+              <a:rPr lang="en-US"/>
               <a:t>Click to edit Master title style</a:t>
             </a:r>
-            <a:endParaRPr lang="en-US"/>
           </a:p>
         </p:txBody>
       </p:sp>
@@ -724,38 +1177,37 @@
           <a:p>
             <a:pPr lvl="0"/>
             <a:r>
-              <a:rPr lang="en-US" smtClean="0"/>
+              <a:rPr lang="en-US"/>
               <a:t>Edit Master text styles</a:t>
             </a:r>
           </a:p>
           <a:p>
             <a:pPr lvl="1"/>
             <a:r>
-              <a:rPr lang="en-US" smtClean="0"/>
+              <a:rPr lang="en-US"/>
               <a:t>Second level</a:t>
             </a:r>
           </a:p>
           <a:p>
             <a:pPr lvl="2"/>
             <a:r>
-              <a:rPr lang="en-US" smtClean="0"/>
+              <a:rPr lang="en-US"/>
               <a:t>Third level</a:t>
             </a:r>
           </a:p>
           <a:p>
             <a:pPr lvl="3"/>
             <a:r>
-              <a:rPr lang="en-US" smtClean="0"/>
+              <a:rPr lang="en-US"/>
               <a:t>Fourth level</a:t>
             </a:r>
           </a:p>
           <a:p>
             <a:pPr lvl="4"/>
             <a:r>
-              <a:rPr lang="en-US" smtClean="0"/>
+              <a:rPr lang="en-US"/>
               <a:t>Fifth level</a:t>
             </a:r>
-            <a:endParaRPr lang="en-US"/>
           </a:p>
         </p:txBody>
       </p:sp>
@@ -879,10 +1331,9 @@
           </a:lstStyle>
           <a:p>
             <a:r>
-              <a:rPr lang="en-US" smtClean="0"/>
+              <a:rPr lang="en-US"/>
               <a:t>Click to edit Master title style</a:t>
             </a:r>
-            <a:endParaRPr lang="en-US"/>
           </a:p>
         </p:txBody>
       </p:sp>
@@ -999,7 +1450,7 @@
           <a:p>
             <a:pPr lvl="0"/>
             <a:r>
-              <a:rPr lang="en-US" smtClean="0"/>
+              <a:rPr lang="en-US"/>
               <a:t>Edit Master text styles</a:t>
             </a:r>
           </a:p>
@@ -1116,10 +1567,9 @@
           <a:lstStyle/>
           <a:p>
             <a:r>
-              <a:rPr lang="en-US" smtClean="0"/>
+              <a:rPr lang="en-US"/>
               <a:t>Click to edit Master title style</a:t>
             </a:r>
-            <a:endParaRPr lang="en-US"/>
           </a:p>
         </p:txBody>
       </p:sp>
@@ -1145,38 +1595,37 @@
           <a:p>
             <a:pPr lvl="0"/>
             <a:r>
-              <a:rPr lang="en-US" smtClean="0"/>
+              <a:rPr lang="en-US"/>
               <a:t>Edit Master text styles</a:t>
             </a:r>
           </a:p>
           <a:p>
             <a:pPr lvl="1"/>
             <a:r>
-              <a:rPr lang="en-US" smtClean="0"/>
+              <a:rPr lang="en-US"/>
               <a:t>Second level</a:t>
             </a:r>
           </a:p>
           <a:p>
             <a:pPr lvl="2"/>
             <a:r>
-              <a:rPr lang="en-US" smtClean="0"/>
+              <a:rPr lang="en-US"/>
               <a:t>Third level</a:t>
             </a:r>
           </a:p>
           <a:p>
             <a:pPr lvl="3"/>
             <a:r>
-              <a:rPr lang="en-US" smtClean="0"/>
+              <a:rPr lang="en-US"/>
               <a:t>Fourth level</a:t>
             </a:r>
           </a:p>
           <a:p>
             <a:pPr lvl="4"/>
             <a:r>
-              <a:rPr lang="en-US" smtClean="0"/>
+              <a:rPr lang="en-US"/>
               <a:t>Fifth level</a:t>
             </a:r>
-            <a:endParaRPr lang="en-US"/>
           </a:p>
         </p:txBody>
       </p:sp>
@@ -1202,38 +1651,37 @@
           <a:p>
             <a:pPr lvl="0"/>
             <a:r>
-              <a:rPr lang="en-US" smtClean="0"/>
+              <a:rPr lang="en-US"/>
               <a:t>Edit Master text styles</a:t>
             </a:r>
           </a:p>
           <a:p>
             <a:pPr lvl="1"/>
             <a:r>
-              <a:rPr lang="en-US" smtClean="0"/>
+              <a:rPr lang="en-US"/>
               <a:t>Second level</a:t>
             </a:r>
           </a:p>
           <a:p>
             <a:pPr lvl="2"/>
             <a:r>
-              <a:rPr lang="en-US" smtClean="0"/>
+              <a:rPr lang="en-US"/>
               <a:t>Third level</a:t>
             </a:r>
           </a:p>
           <a:p>
             <a:pPr lvl="3"/>
             <a:r>
-              <a:rPr lang="en-US" smtClean="0"/>
+              <a:rPr lang="en-US"/>
               <a:t>Fourth level</a:t>
             </a:r>
           </a:p>
           <a:p>
             <a:pPr lvl="4"/>
             <a:r>
-              <a:rPr lang="en-US" smtClean="0"/>
+              <a:rPr lang="en-US"/>
               <a:t>Fifth level</a:t>
             </a:r>
-            <a:endParaRPr lang="en-US"/>
           </a:p>
         </p:txBody>
       </p:sp>
@@ -1353,10 +1801,9 @@
           <a:lstStyle/>
           <a:p>
             <a:r>
-              <a:rPr lang="en-US" smtClean="0"/>
+              <a:rPr lang="en-US"/>
               <a:t>Click to edit Master title style</a:t>
             </a:r>
-            <a:endParaRPr lang="en-US"/>
           </a:p>
         </p:txBody>
       </p:sp>
@@ -1419,7 +1866,7 @@
           <a:p>
             <a:pPr lvl="0"/>
             <a:r>
-              <a:rPr lang="en-US" smtClean="0"/>
+              <a:rPr lang="en-US"/>
               <a:t>Edit Master text styles</a:t>
             </a:r>
           </a:p>
@@ -1447,38 +1894,37 @@
           <a:p>
             <a:pPr lvl="0"/>
             <a:r>
-              <a:rPr lang="en-US" smtClean="0"/>
+              <a:rPr lang="en-US"/>
               <a:t>Edit Master text styles</a:t>
             </a:r>
           </a:p>
           <a:p>
             <a:pPr lvl="1"/>
             <a:r>
-              <a:rPr lang="en-US" smtClean="0"/>
+              <a:rPr lang="en-US"/>
               <a:t>Second level</a:t>
             </a:r>
           </a:p>
           <a:p>
             <a:pPr lvl="2"/>
             <a:r>
-              <a:rPr lang="en-US" smtClean="0"/>
+              <a:rPr lang="en-US"/>
               <a:t>Third level</a:t>
             </a:r>
           </a:p>
           <a:p>
             <a:pPr lvl="3"/>
             <a:r>
-              <a:rPr lang="en-US" smtClean="0"/>
+              <a:rPr lang="en-US"/>
               <a:t>Fourth level</a:t>
             </a:r>
           </a:p>
           <a:p>
             <a:pPr lvl="4"/>
             <a:r>
-              <a:rPr lang="en-US" smtClean="0"/>
+              <a:rPr lang="en-US"/>
               <a:t>Fifth level</a:t>
             </a:r>
-            <a:endParaRPr lang="en-US"/>
           </a:p>
         </p:txBody>
       </p:sp>
@@ -1541,7 +1987,7 @@
           <a:p>
             <a:pPr lvl="0"/>
             <a:r>
-              <a:rPr lang="en-US" smtClean="0"/>
+              <a:rPr lang="en-US"/>
               <a:t>Edit Master text styles</a:t>
             </a:r>
           </a:p>
@@ -1569,38 +2015,37 @@
           <a:p>
             <a:pPr lvl="0"/>
             <a:r>
-              <a:rPr lang="en-US" smtClean="0"/>
+              <a:rPr lang="en-US"/>
               <a:t>Edit Master text styles</a:t>
             </a:r>
           </a:p>
           <a:p>
             <a:pPr lvl="1"/>
             <a:r>
-              <a:rPr lang="en-US" smtClean="0"/>
+              <a:rPr lang="en-US"/>
               <a:t>Second level</a:t>
             </a:r>
           </a:p>
           <a:p>
             <a:pPr lvl="2"/>
             <a:r>
-              <a:rPr lang="en-US" smtClean="0"/>
+              <a:rPr lang="en-US"/>
               <a:t>Third level</a:t>
             </a:r>
           </a:p>
           <a:p>
             <a:pPr lvl="3"/>
             <a:r>
-              <a:rPr lang="en-US" smtClean="0"/>
+              <a:rPr lang="en-US"/>
               <a:t>Fourth level</a:t>
             </a:r>
           </a:p>
           <a:p>
             <a:pPr lvl="4"/>
             <a:r>
-              <a:rPr lang="en-US" smtClean="0"/>
+              <a:rPr lang="en-US"/>
               <a:t>Fifth level</a:t>
             </a:r>
-            <a:endParaRPr lang="en-US"/>
           </a:p>
         </p:txBody>
       </p:sp>
@@ -1715,10 +2160,9 @@
           <a:lstStyle/>
           <a:p>
             <a:r>
-              <a:rPr lang="en-US" smtClean="0"/>
+              <a:rPr lang="en-US"/>
               <a:t>Click to edit Master title style</a:t>
             </a:r>
-            <a:endParaRPr lang="en-US"/>
           </a:p>
         </p:txBody>
       </p:sp>
@@ -1937,10 +2381,9 @@
           </a:lstStyle>
           <a:p>
             <a:r>
-              <a:rPr lang="en-US" smtClean="0"/>
+              <a:rPr lang="en-US"/>
               <a:t>Click to edit Master title style</a:t>
             </a:r>
-            <a:endParaRPr lang="en-US"/>
           </a:p>
         </p:txBody>
       </p:sp>
@@ -1994,38 +2437,37 @@
           <a:p>
             <a:pPr lvl="0"/>
             <a:r>
-              <a:rPr lang="en-US" smtClean="0"/>
+              <a:rPr lang="en-US"/>
               <a:t>Edit Master text styles</a:t>
             </a:r>
           </a:p>
           <a:p>
             <a:pPr lvl="1"/>
             <a:r>
-              <a:rPr lang="en-US" smtClean="0"/>
+              <a:rPr lang="en-US"/>
               <a:t>Second level</a:t>
             </a:r>
           </a:p>
           <a:p>
             <a:pPr lvl="2"/>
             <a:r>
-              <a:rPr lang="en-US" smtClean="0"/>
+              <a:rPr lang="en-US"/>
               <a:t>Third level</a:t>
             </a:r>
           </a:p>
           <a:p>
             <a:pPr lvl="3"/>
             <a:r>
-              <a:rPr lang="en-US" smtClean="0"/>
+              <a:rPr lang="en-US"/>
               <a:t>Fourth level</a:t>
             </a:r>
           </a:p>
           <a:p>
             <a:pPr lvl="4"/>
             <a:r>
-              <a:rPr lang="en-US" smtClean="0"/>
+              <a:rPr lang="en-US"/>
               <a:t>Fifth level</a:t>
             </a:r>
-            <a:endParaRPr lang="en-US"/>
           </a:p>
         </p:txBody>
       </p:sp>
@@ -2088,7 +2530,7 @@
           <a:p>
             <a:pPr lvl="0"/>
             <a:r>
-              <a:rPr lang="en-US" smtClean="0"/>
+              <a:rPr lang="en-US"/>
               <a:t>Edit Master text styles</a:t>
             </a:r>
           </a:p>
@@ -2214,10 +2656,9 @@
           </a:lstStyle>
           <a:p>
             <a:r>
-              <a:rPr lang="en-US" smtClean="0"/>
+              <a:rPr lang="en-US"/>
               <a:t>Click to edit Master title style</a:t>
             </a:r>
-            <a:endParaRPr lang="en-US"/>
           </a:p>
         </p:txBody>
       </p:sp>
@@ -2341,7 +2782,7 @@
           <a:p>
             <a:pPr lvl="0"/>
             <a:r>
-              <a:rPr lang="en-US" smtClean="0"/>
+              <a:rPr lang="en-US"/>
               <a:t>Edit Master text styles</a:t>
             </a:r>
           </a:p>
@@ -2473,10 +2914,9 @@
           <a:lstStyle/>
           <a:p>
             <a:r>
-              <a:rPr lang="en-US" smtClean="0"/>
+              <a:rPr lang="en-US"/>
               <a:t>Click to edit Master title style</a:t>
             </a:r>
-            <a:endParaRPr lang="en-US"/>
           </a:p>
         </p:txBody>
       </p:sp>
@@ -2507,38 +2947,37 @@
           <a:p>
             <a:pPr lvl="0"/>
             <a:r>
-              <a:rPr lang="en-US" smtClean="0"/>
+              <a:rPr lang="en-US"/>
               <a:t>Edit Master text styles</a:t>
             </a:r>
           </a:p>
           <a:p>
             <a:pPr lvl="1"/>
             <a:r>
-              <a:rPr lang="en-US" smtClean="0"/>
+              <a:rPr lang="en-US"/>
               <a:t>Second level</a:t>
             </a:r>
           </a:p>
           <a:p>
             <a:pPr lvl="2"/>
             <a:r>
-              <a:rPr lang="en-US" smtClean="0"/>
+              <a:rPr lang="en-US"/>
               <a:t>Third level</a:t>
             </a:r>
           </a:p>
           <a:p>
             <a:pPr lvl="3"/>
             <a:r>
-              <a:rPr lang="en-US" smtClean="0"/>
+              <a:rPr lang="en-US"/>
               <a:t>Fourth level</a:t>
             </a:r>
           </a:p>
           <a:p>
             <a:pPr lvl="4"/>
             <a:r>
-              <a:rPr lang="en-US" smtClean="0"/>
+              <a:rPr lang="en-US"/>
               <a:t>Fifth level</a:t>
             </a:r>
-            <a:endParaRPr lang="en-US"/>
           </a:p>
         </p:txBody>
       </p:sp>
@@ -3000,10 +3439,9 @@
           <a:lstStyle/>
           <a:p>
             <a:r>
-              <a:rPr lang="en-US" sz="5400" b="1" dirty="0" smtClean="0"/>
+              <a:rPr lang="en-US" sz="5400" b="1" dirty="0"/>
               <a:t>Sentiment Analysis Using a Deep Neural Network</a:t>
             </a:r>
-            <a:endParaRPr lang="en-US" sz="5400" b="1" dirty="0"/>
           </a:p>
         </p:txBody>
       </p:sp>
@@ -3023,22 +3461,21 @@
           <a:lstStyle/>
           <a:p>
             <a:r>
-              <a:rPr lang="en-US" dirty="0" err="1" smtClean="0"/>
+              <a:rPr lang="en-US" dirty="0" err="1"/>
               <a:t>Ramiz</a:t>
             </a:r>
             <a:r>
-              <a:rPr lang="en-US" dirty="0" smtClean="0"/>
+              <a:rPr lang="en-US" dirty="0"/>
               <a:t> </a:t>
             </a:r>
             <a:r>
-              <a:rPr lang="en-US" dirty="0" err="1" smtClean="0"/>
+              <a:rPr lang="en-US" dirty="0" err="1"/>
               <a:t>Midani</a:t>
             </a:r>
             <a:r>
-              <a:rPr lang="en-US" dirty="0" smtClean="0"/>
+              <a:rPr lang="en-US" dirty="0"/>
               <a:t>, Stephen Frees</a:t>
             </a:r>
-            <a:endParaRPr lang="en-US" dirty="0"/>
           </a:p>
         </p:txBody>
       </p:sp>
@@ -3052,13 +3489,6 @@
   <p:clrMapOvr>
     <a:masterClrMapping/>
   </p:clrMapOvr>
-  <p:timing>
-    <p:tnLst>
-      <p:par>
-        <p:cTn id="1" dur="indefinite" restart="never" nodeType="tmRoot"/>
-      </p:par>
-    </p:tnLst>
-  </p:timing>
 </p:sld>
 </file>
 
@@ -3095,10 +3525,9 @@
           <a:lstStyle/>
           <a:p>
             <a:r>
-              <a:rPr lang="en-US" dirty="0" smtClean="0"/>
+              <a:rPr lang="en-US" dirty="0"/>
               <a:t>Setting Parameter Values</a:t>
             </a:r>
-            <a:endParaRPr lang="en-US" dirty="0"/>
           </a:p>
         </p:txBody>
       </p:sp>
@@ -3120,83 +3549,78 @@
           <a:lstStyle/>
           <a:p>
             <a:r>
-              <a:rPr lang="en-US" dirty="0" smtClean="0"/>
+              <a:rPr lang="en-US" dirty="0"/>
               <a:t>Improving DNN results is trial and error</a:t>
             </a:r>
           </a:p>
           <a:p>
             <a:r>
               <a:rPr lang="en-US" dirty="0"/>
-              <a:t>9</a:t>
-            </a:r>
-            <a:r>
-              <a:rPr lang="en-US" dirty="0" smtClean="0"/>
-              <a:t> modifiable parameters</a:t>
+              <a:t>9 modifiable parameters</a:t>
             </a:r>
           </a:p>
           <a:p>
             <a:pPr lvl="1"/>
             <a:r>
-              <a:rPr lang="en-US" dirty="0" smtClean="0"/>
+              <a:rPr lang="en-US" dirty="0"/>
               <a:t>Hidden layer dimensions	[150, 150, 100, 100, 50]</a:t>
             </a:r>
           </a:p>
           <a:p>
             <a:pPr lvl="1"/>
             <a:r>
-              <a:rPr lang="en-US" dirty="0" smtClean="0"/>
+              <a:rPr lang="en-US" dirty="0"/>
               <a:t>Weight scale			2e-2</a:t>
             </a:r>
           </a:p>
           <a:p>
             <a:pPr lvl="1"/>
             <a:r>
-              <a:rPr lang="en-US" dirty="0" smtClean="0"/>
+              <a:rPr lang="en-US" dirty="0"/>
               <a:t>Regularization coefficient	2e-3</a:t>
             </a:r>
           </a:p>
           <a:p>
             <a:pPr lvl="1"/>
             <a:r>
-              <a:rPr lang="en-US" dirty="0" smtClean="0"/>
+              <a:rPr lang="en-US" dirty="0"/>
               <a:t>Dropout				No</a:t>
             </a:r>
           </a:p>
           <a:p>
             <a:pPr lvl="1"/>
             <a:r>
-              <a:rPr lang="en-US" dirty="0" smtClean="0"/>
+              <a:rPr lang="en-US" dirty="0"/>
               <a:t>Normalization			Batch</a:t>
             </a:r>
           </a:p>
           <a:p>
             <a:pPr lvl="1"/>
             <a:r>
-              <a:rPr lang="en-US" dirty="0" smtClean="0"/>
+              <a:rPr lang="en-US" dirty="0"/>
               <a:t>Batch size			3000</a:t>
             </a:r>
           </a:p>
           <a:p>
             <a:pPr lvl="1"/>
             <a:r>
-              <a:rPr lang="en-US" dirty="0" smtClean="0"/>
+              <a:rPr lang="en-US" dirty="0"/>
               <a:t>Training time			8 epochs</a:t>
             </a:r>
           </a:p>
           <a:p>
             <a:pPr lvl="1"/>
             <a:r>
-              <a:rPr lang="en-US" dirty="0" smtClean="0"/>
+              <a:rPr lang="en-US" dirty="0"/>
               <a:t>Gradient descent algorithm	Adam</a:t>
             </a:r>
           </a:p>
           <a:p>
             <a:pPr lvl="1"/>
             <a:r>
-              <a:rPr lang="en-US" dirty="0" smtClean="0"/>
+              <a:rPr lang="en-US" dirty="0"/>
               <a:t>Learning rate			3e-5</a:t>
             </a:r>
-            <a:endParaRPr lang="en-US" dirty="0"/>
           </a:p>
         </p:txBody>
       </p:sp>
@@ -3210,13 +3634,6 @@
   <p:clrMapOvr>
     <a:masterClrMapping/>
   </p:clrMapOvr>
-  <p:timing>
-    <p:tnLst>
-      <p:par>
-        <p:cTn id="1" dur="indefinite" restart="never" nodeType="tmRoot"/>
-      </p:par>
-    </p:tnLst>
-  </p:timing>
 </p:sld>
 </file>
 
@@ -3253,10 +3670,9 @@
           <a:lstStyle/>
           <a:p>
             <a:r>
-              <a:rPr lang="en-US" dirty="0" smtClean="0"/>
+              <a:rPr lang="en-US" dirty="0"/>
               <a:t>Data</a:t>
             </a:r>
-            <a:endParaRPr lang="en-US" dirty="0"/>
           </a:p>
         </p:txBody>
       </p:sp>
@@ -3276,10 +3692,9 @@
           <a:lstStyle/>
           <a:p>
             <a:r>
-              <a:rPr lang="en-US" dirty="0" smtClean="0"/>
+              <a:rPr lang="en-US" dirty="0"/>
               <a:t>A Closer Look at the Dataset</a:t>
             </a:r>
-            <a:endParaRPr lang="en-US" dirty="0"/>
           </a:p>
         </p:txBody>
       </p:sp>
@@ -3293,13 +3708,6 @@
   <p:clrMapOvr>
     <a:masterClrMapping/>
   </p:clrMapOvr>
-  <p:timing>
-    <p:tnLst>
-      <p:par>
-        <p:cTn id="1" dur="indefinite" restart="never" nodeType="tmRoot"/>
-      </p:par>
-    </p:tnLst>
-  </p:timing>
 </p:sld>
 </file>
 
@@ -3335,26 +3743,309 @@
           <a:bodyPr/>
           <a:lstStyle/>
           <a:p>
-            <a:endParaRPr lang="en-US"/>
-          </a:p>
-        </p:txBody>
-      </p:sp>
-      <p:sp>
-        <p:nvSpPr>
-          <p:cNvPr id="3" name="Content Placeholder 2"/>
-          <p:cNvSpPr>
-            <a:spLocks noGrp="1"/>
-          </p:cNvSpPr>
+            <a:r>
+              <a:rPr lang="en-US" dirty="0"/>
+              <a:t>What the Data looks like</a:t>
+            </a:r>
+          </a:p>
+        </p:txBody>
+      </p:sp>
+      <p:pic>
+        <p:nvPicPr>
+          <p:cNvPr id="4" name="Content Placeholder 3">
+            <a:extLst>
+              <a:ext uri="{FF2B5EF4-FFF2-40B4-BE49-F238E27FC236}">
+                <a16:creationId xmlns:a16="http://schemas.microsoft.com/office/drawing/2014/main" id="{1BAD7C8B-2F3B-4925-BDD5-96810945F58C}"/>
+              </a:ext>
+            </a:extLst>
+          </p:cNvPr>
+          <p:cNvPicPr>
+            <a:picLocks noGrp="1" noChangeAspect="1"/>
+          </p:cNvPicPr>
           <p:nvPr>
             <p:ph idx="1"/>
           </p:nvPr>
-        </p:nvSpPr>
-        <p:spPr/>
-        <p:txBody>
-          <a:bodyPr/>
-          <a:lstStyle/>
-          <a:p>
-            <a:endParaRPr lang="en-US"/>
+        </p:nvPicPr>
+        <p:blipFill>
+          <a:blip r:embed="rId2"/>
+          <a:stretch>
+            <a:fillRect/>
+          </a:stretch>
+        </p:blipFill>
+        <p:spPr>
+          <a:xfrm>
+            <a:off x="5021451" y="1874729"/>
+            <a:ext cx="7170548" cy="2666274"/>
+          </a:xfrm>
+          <a:prstGeom prst="rect">
+            <a:avLst/>
+          </a:prstGeom>
+        </p:spPr>
+      </p:pic>
+      <p:sp>
+        <p:nvSpPr>
+          <p:cNvPr id="5" name="TextBox 4">
+            <a:extLst>
+              <a:ext uri="{FF2B5EF4-FFF2-40B4-BE49-F238E27FC236}">
+                <a16:creationId xmlns:a16="http://schemas.microsoft.com/office/drawing/2014/main" id="{0FDA7F1E-D133-4182-952B-0F625AB6A772}"/>
+              </a:ext>
+            </a:extLst>
+          </p:cNvPr>
+          <p:cNvSpPr txBox="1"/>
+          <p:nvPr/>
+        </p:nvSpPr>
+        <p:spPr>
+          <a:xfrm>
+            <a:off x="1720312" y="3115159"/>
+            <a:ext cx="184731" cy="369332"/>
+          </a:xfrm>
+          <a:prstGeom prst="rect">
+            <a:avLst/>
+          </a:prstGeom>
+          <a:noFill/>
+        </p:spPr>
+        <p:txBody>
+          <a:bodyPr wrap="square" rtlCol="0">
+            <a:spAutoFit/>
+          </a:bodyPr>
+          <a:lstStyle/>
+          <a:p>
+            <a:endParaRPr lang="en-US" dirty="0"/>
+          </a:p>
+        </p:txBody>
+      </p:sp>
+      <p:sp>
+        <p:nvSpPr>
+          <p:cNvPr id="6" name="Content Placeholder 2">
+            <a:extLst>
+              <a:ext uri="{FF2B5EF4-FFF2-40B4-BE49-F238E27FC236}">
+                <a16:creationId xmlns:a16="http://schemas.microsoft.com/office/drawing/2014/main" id="{D25D8F57-1C39-45EF-AF38-1CDB6B2DC176}"/>
+              </a:ext>
+            </a:extLst>
+          </p:cNvPr>
+          <p:cNvSpPr txBox="1">
+            <a:spLocks/>
+          </p:cNvSpPr>
+          <p:nvPr/>
+        </p:nvSpPr>
+        <p:spPr>
+          <a:xfrm>
+            <a:off x="838200" y="1949611"/>
+            <a:ext cx="4043766" cy="4351338"/>
+          </a:xfrm>
+          <a:prstGeom prst="rect">
+            <a:avLst/>
+          </a:prstGeom>
+        </p:spPr>
+        <p:txBody>
+          <a:bodyPr vert="horz" lIns="91440" tIns="45720" rIns="91440" bIns="45720" rtlCol="0">
+            <a:normAutofit/>
+          </a:bodyPr>
+          <a:lstStyle>
+            <a:lvl1pPr marL="228600" indent="-228600" algn="l" defTabSz="914400" rtl="0" eaLnBrk="1" latinLnBrk="0" hangingPunct="1">
+              <a:lnSpc>
+                <a:spcPct val="90000"/>
+              </a:lnSpc>
+              <a:spcBef>
+                <a:spcPts val="1000"/>
+              </a:spcBef>
+              <a:buFont typeface="Arial" panose="020B0604020202020204" pitchFamily="34" charset="0"/>
+              <a:buChar char="•"/>
+              <a:defRPr sz="2800" kern="1200">
+                <a:solidFill>
+                  <a:schemeClr val="tx1"/>
+                </a:solidFill>
+                <a:latin typeface="+mn-lt"/>
+                <a:ea typeface="+mn-ea"/>
+                <a:cs typeface="+mn-cs"/>
+              </a:defRPr>
+            </a:lvl1pPr>
+            <a:lvl2pPr marL="685800" indent="-228600" algn="l" defTabSz="914400" rtl="0" eaLnBrk="1" latinLnBrk="0" hangingPunct="1">
+              <a:lnSpc>
+                <a:spcPct val="90000"/>
+              </a:lnSpc>
+              <a:spcBef>
+                <a:spcPts val="500"/>
+              </a:spcBef>
+              <a:buFont typeface="Arial" panose="020B0604020202020204" pitchFamily="34" charset="0"/>
+              <a:buChar char="•"/>
+              <a:defRPr sz="2400" kern="1200">
+                <a:solidFill>
+                  <a:schemeClr val="tx1"/>
+                </a:solidFill>
+                <a:latin typeface="+mn-lt"/>
+                <a:ea typeface="+mn-ea"/>
+                <a:cs typeface="+mn-cs"/>
+              </a:defRPr>
+            </a:lvl2pPr>
+            <a:lvl3pPr marL="1143000" indent="-228600" algn="l" defTabSz="914400" rtl="0" eaLnBrk="1" latinLnBrk="0" hangingPunct="1">
+              <a:lnSpc>
+                <a:spcPct val="90000"/>
+              </a:lnSpc>
+              <a:spcBef>
+                <a:spcPts val="500"/>
+              </a:spcBef>
+              <a:buFont typeface="Arial" panose="020B0604020202020204" pitchFamily="34" charset="0"/>
+              <a:buChar char="•"/>
+              <a:defRPr sz="2000" kern="1200">
+                <a:solidFill>
+                  <a:schemeClr val="tx1"/>
+                </a:solidFill>
+                <a:latin typeface="+mn-lt"/>
+                <a:ea typeface="+mn-ea"/>
+                <a:cs typeface="+mn-cs"/>
+              </a:defRPr>
+            </a:lvl3pPr>
+            <a:lvl4pPr marL="1600200" indent="-228600" algn="l" defTabSz="914400" rtl="0" eaLnBrk="1" latinLnBrk="0" hangingPunct="1">
+              <a:lnSpc>
+                <a:spcPct val="90000"/>
+              </a:lnSpc>
+              <a:spcBef>
+                <a:spcPts val="500"/>
+              </a:spcBef>
+              <a:buFont typeface="Arial" panose="020B0604020202020204" pitchFamily="34" charset="0"/>
+              <a:buChar char="•"/>
+              <a:defRPr sz="1800" kern="1200">
+                <a:solidFill>
+                  <a:schemeClr val="tx1"/>
+                </a:solidFill>
+                <a:latin typeface="+mn-lt"/>
+                <a:ea typeface="+mn-ea"/>
+                <a:cs typeface="+mn-cs"/>
+              </a:defRPr>
+            </a:lvl4pPr>
+            <a:lvl5pPr marL="2057400" indent="-228600" algn="l" defTabSz="914400" rtl="0" eaLnBrk="1" latinLnBrk="0" hangingPunct="1">
+              <a:lnSpc>
+                <a:spcPct val="90000"/>
+              </a:lnSpc>
+              <a:spcBef>
+                <a:spcPts val="500"/>
+              </a:spcBef>
+              <a:buFont typeface="Arial" panose="020B0604020202020204" pitchFamily="34" charset="0"/>
+              <a:buChar char="•"/>
+              <a:defRPr sz="1800" kern="1200">
+                <a:solidFill>
+                  <a:schemeClr val="tx1"/>
+                </a:solidFill>
+                <a:latin typeface="+mn-lt"/>
+                <a:ea typeface="+mn-ea"/>
+                <a:cs typeface="+mn-cs"/>
+              </a:defRPr>
+            </a:lvl5pPr>
+            <a:lvl6pPr marL="2514600" indent="-228600" algn="l" defTabSz="914400" rtl="0" eaLnBrk="1" latinLnBrk="0" hangingPunct="1">
+              <a:lnSpc>
+                <a:spcPct val="90000"/>
+              </a:lnSpc>
+              <a:spcBef>
+                <a:spcPts val="500"/>
+              </a:spcBef>
+              <a:buFont typeface="Arial" panose="020B0604020202020204" pitchFamily="34" charset="0"/>
+              <a:buChar char="•"/>
+              <a:defRPr sz="1800" kern="1200">
+                <a:solidFill>
+                  <a:schemeClr val="tx1"/>
+                </a:solidFill>
+                <a:latin typeface="+mn-lt"/>
+                <a:ea typeface="+mn-ea"/>
+                <a:cs typeface="+mn-cs"/>
+              </a:defRPr>
+            </a:lvl6pPr>
+            <a:lvl7pPr marL="2971800" indent="-228600" algn="l" defTabSz="914400" rtl="0" eaLnBrk="1" latinLnBrk="0" hangingPunct="1">
+              <a:lnSpc>
+                <a:spcPct val="90000"/>
+              </a:lnSpc>
+              <a:spcBef>
+                <a:spcPts val="500"/>
+              </a:spcBef>
+              <a:buFont typeface="Arial" panose="020B0604020202020204" pitchFamily="34" charset="0"/>
+              <a:buChar char="•"/>
+              <a:defRPr sz="1800" kern="1200">
+                <a:solidFill>
+                  <a:schemeClr val="tx1"/>
+                </a:solidFill>
+                <a:latin typeface="+mn-lt"/>
+                <a:ea typeface="+mn-ea"/>
+                <a:cs typeface="+mn-cs"/>
+              </a:defRPr>
+            </a:lvl7pPr>
+            <a:lvl8pPr marL="3429000" indent="-228600" algn="l" defTabSz="914400" rtl="0" eaLnBrk="1" latinLnBrk="0" hangingPunct="1">
+              <a:lnSpc>
+                <a:spcPct val="90000"/>
+              </a:lnSpc>
+              <a:spcBef>
+                <a:spcPts val="500"/>
+              </a:spcBef>
+              <a:buFont typeface="Arial" panose="020B0604020202020204" pitchFamily="34" charset="0"/>
+              <a:buChar char="•"/>
+              <a:defRPr sz="1800" kern="1200">
+                <a:solidFill>
+                  <a:schemeClr val="tx1"/>
+                </a:solidFill>
+                <a:latin typeface="+mn-lt"/>
+                <a:ea typeface="+mn-ea"/>
+                <a:cs typeface="+mn-cs"/>
+              </a:defRPr>
+            </a:lvl8pPr>
+            <a:lvl9pPr marL="3886200" indent="-228600" algn="l" defTabSz="914400" rtl="0" eaLnBrk="1" latinLnBrk="0" hangingPunct="1">
+              <a:lnSpc>
+                <a:spcPct val="90000"/>
+              </a:lnSpc>
+              <a:spcBef>
+                <a:spcPts val="500"/>
+              </a:spcBef>
+              <a:buFont typeface="Arial" panose="020B0604020202020204" pitchFamily="34" charset="0"/>
+              <a:buChar char="•"/>
+              <a:defRPr sz="1800" kern="1200">
+                <a:solidFill>
+                  <a:schemeClr val="tx1"/>
+                </a:solidFill>
+                <a:latin typeface="+mn-lt"/>
+                <a:ea typeface="+mn-ea"/>
+                <a:cs typeface="+mn-cs"/>
+              </a:defRPr>
+            </a:lvl9pPr>
+          </a:lstStyle>
+          <a:p>
+            <a:r>
+              <a:rPr lang="en-US" dirty="0"/>
+              <a:t>Training Datasets</a:t>
+            </a:r>
+          </a:p>
+          <a:p>
+            <a:endParaRPr lang="en-US" dirty="0"/>
+          </a:p>
+          <a:p>
+            <a:r>
+              <a:rPr lang="en-US" dirty="0"/>
+              <a:t>Test Datasets</a:t>
+            </a:r>
+          </a:p>
+          <a:p>
+            <a:endParaRPr lang="en-US" dirty="0"/>
+          </a:p>
+          <a:p>
+            <a:r>
+              <a:rPr lang="en-US" dirty="0"/>
+              <a:t>Labels: Positive, Negative, Neutral</a:t>
+            </a:r>
+          </a:p>
+          <a:p>
+            <a:pPr marL="0" indent="0">
+              <a:buNone/>
+            </a:pPr>
+            <a:endParaRPr lang="en-US" dirty="0"/>
+          </a:p>
+          <a:p>
+            <a:r>
+              <a:rPr lang="en-US" dirty="0"/>
+              <a:t>Tweets</a:t>
+            </a:r>
+          </a:p>
+          <a:p>
+            <a:endParaRPr lang="en-US" dirty="0"/>
+          </a:p>
+          <a:p>
+            <a:endParaRPr lang="en-US" dirty="0"/>
           </a:p>
         </p:txBody>
       </p:sp>
@@ -3368,13 +4059,6 @@
   <p:clrMapOvr>
     <a:masterClrMapping/>
   </p:clrMapOvr>
-  <p:timing>
-    <p:tnLst>
-      <p:par>
-        <p:cTn id="1" dur="indefinite" restart="never" nodeType="tmRoot"/>
-      </p:par>
-    </p:tnLst>
-  </p:timing>
 </p:sld>
 </file>
 
@@ -3397,7 +4081,13 @@
       </p:grpSpPr>
       <p:sp>
         <p:nvSpPr>
-          <p:cNvPr id="2" name="Title 1"/>
+          <p:cNvPr id="2" name="Title 1">
+            <a:extLst>
+              <a:ext uri="{FF2B5EF4-FFF2-40B4-BE49-F238E27FC236}">
+                <a16:creationId xmlns:a16="http://schemas.microsoft.com/office/drawing/2014/main" id="{B0A0850D-2847-42AA-8373-EEE06E5A976B}"/>
+              </a:ext>
+            </a:extLst>
+          </p:cNvPr>
           <p:cNvSpPr>
             <a:spLocks noGrp="1"/>
           </p:cNvSpPr>
@@ -3411,53 +4101,134 @@
           <a:lstStyle/>
           <a:p>
             <a:r>
-              <a:rPr lang="en-US" dirty="0" smtClean="0"/>
-              <a:t>Results</a:t>
-            </a:r>
+              <a:rPr lang="en-US" dirty="0"/>
+              <a:t>What Features Did We Use?</a:t>
+            </a:r>
+          </a:p>
+        </p:txBody>
+      </p:sp>
+      <p:sp>
+        <p:nvSpPr>
+          <p:cNvPr id="3" name="Content Placeholder 2">
+            <a:extLst>
+              <a:ext uri="{FF2B5EF4-FFF2-40B4-BE49-F238E27FC236}">
+                <a16:creationId xmlns:a16="http://schemas.microsoft.com/office/drawing/2014/main" id="{A4B90867-56BB-4835-9779-EA5746D25413}"/>
+              </a:ext>
+            </a:extLst>
+          </p:cNvPr>
+          <p:cNvSpPr>
+            <a:spLocks noGrp="1"/>
+          </p:cNvSpPr>
+          <p:nvPr>
+            <p:ph idx="1"/>
+          </p:nvPr>
+        </p:nvSpPr>
+        <p:spPr>
+          <a:xfrm>
+            <a:off x="838200" y="1825625"/>
+            <a:ext cx="4028268" cy="4351338"/>
+          </a:xfrm>
+        </p:spPr>
+        <p:txBody>
+          <a:bodyPr/>
+          <a:lstStyle/>
+          <a:p>
+            <a:r>
+              <a:rPr lang="en-US" dirty="0"/>
+              <a:t>Emoticons </a:t>
+            </a:r>
+            <a:r>
+              <a:rPr lang="en-US" dirty="0">
+                <a:sym typeface="Wingdings" panose="05000000000000000000" pitchFamily="2" charset="2"/>
+              </a:rPr>
+              <a:t>  </a:t>
+            </a:r>
+          </a:p>
+          <a:p>
+            <a:r>
+              <a:rPr lang="en-US" dirty="0">
+                <a:sym typeface="Wingdings" panose="05000000000000000000" pitchFamily="2" charset="2"/>
+              </a:rPr>
+              <a:t>All caps</a:t>
+            </a:r>
+          </a:p>
+          <a:p>
+            <a:r>
+              <a:rPr lang="en-US" dirty="0">
+                <a:sym typeface="Wingdings" panose="05000000000000000000" pitchFamily="2" charset="2"/>
+              </a:rPr>
+              <a:t>Ellipsis</a:t>
+            </a:r>
+          </a:p>
+          <a:p>
             <a:endParaRPr lang="en-US" dirty="0"/>
           </a:p>
-        </p:txBody>
-      </p:sp>
-      <p:sp>
-        <p:nvSpPr>
-          <p:cNvPr id="3" name="Text Placeholder 2"/>
-          <p:cNvSpPr>
-            <a:spLocks noGrp="1"/>
-          </p:cNvSpPr>
-          <p:nvPr>
-            <p:ph type="body" idx="1"/>
-          </p:nvPr>
-        </p:nvSpPr>
-        <p:spPr/>
-        <p:txBody>
-          <a:bodyPr/>
-          <a:lstStyle/>
-          <a:p>
-            <a:r>
-              <a:rPr lang="en-US" dirty="0" smtClean="0"/>
-              <a:t>Analysis of Our Methods</a:t>
-            </a:r>
+          <a:p>
+            <a:r>
+              <a:rPr lang="en-US" dirty="0"/>
+              <a:t>Question Marks</a:t>
+            </a:r>
+          </a:p>
+          <a:p>
+            <a:r>
+              <a:rPr lang="en-US" dirty="0"/>
+              <a:t>Exclamation Marks</a:t>
+            </a:r>
+          </a:p>
+          <a:p>
+            <a:r>
+              <a:rPr lang="en-US" dirty="0"/>
+              <a:t>Positive and Negative word lists</a:t>
+            </a:r>
+          </a:p>
+          <a:p>
             <a:endParaRPr lang="en-US" dirty="0"/>
           </a:p>
-        </p:txBody>
-      </p:sp>
+          <a:p>
+            <a:endParaRPr lang="en-US" dirty="0"/>
+          </a:p>
+        </p:txBody>
+      </p:sp>
+      <p:pic>
+        <p:nvPicPr>
+          <p:cNvPr id="4" name="Content Placeholder 3">
+            <a:extLst>
+              <a:ext uri="{FF2B5EF4-FFF2-40B4-BE49-F238E27FC236}">
+                <a16:creationId xmlns:a16="http://schemas.microsoft.com/office/drawing/2014/main" id="{53B31CCF-D2E7-49FE-9EE8-91D1702143C7}"/>
+              </a:ext>
+            </a:extLst>
+          </p:cNvPr>
+          <p:cNvPicPr>
+            <a:picLocks noChangeAspect="1"/>
+          </p:cNvPicPr>
+          <p:nvPr/>
+        </p:nvPicPr>
+        <p:blipFill>
+          <a:blip r:embed="rId2"/>
+          <a:stretch>
+            <a:fillRect/>
+          </a:stretch>
+        </p:blipFill>
+        <p:spPr>
+          <a:xfrm>
+            <a:off x="5021451" y="1874729"/>
+            <a:ext cx="7170548" cy="2666274"/>
+          </a:xfrm>
+          <a:prstGeom prst="rect">
+            <a:avLst/>
+          </a:prstGeom>
+        </p:spPr>
+      </p:pic>
     </p:spTree>
     <p:extLst>
       <p:ext uri="{BB962C8B-B14F-4D97-AF65-F5344CB8AC3E}">
-        <p14:creationId xmlns:p14="http://schemas.microsoft.com/office/powerpoint/2010/main" val="1888784255"/>
+        <p14:creationId xmlns:p14="http://schemas.microsoft.com/office/powerpoint/2010/main" val="138659582"/>
       </p:ext>
     </p:extLst>
   </p:cSld>
   <p:clrMapOvr>
     <a:masterClrMapping/>
   </p:clrMapOvr>
-  <p:timing>
-    <p:tnLst>
-      <p:par>
-        <p:cTn id="1" dur="indefinite" restart="never" nodeType="tmRoot"/>
-      </p:par>
-    </p:tnLst>
-  </p:timing>
 </p:sld>
 </file>
 
@@ -3480,7 +4251,13 @@
       </p:grpSpPr>
       <p:sp>
         <p:nvSpPr>
-          <p:cNvPr id="2" name="Title 1"/>
+          <p:cNvPr id="2" name="Title 1">
+            <a:extLst>
+              <a:ext uri="{FF2B5EF4-FFF2-40B4-BE49-F238E27FC236}">
+                <a16:creationId xmlns:a16="http://schemas.microsoft.com/office/drawing/2014/main" id="{FFE776BC-D343-40EF-9DD8-7117F2F844CD}"/>
+              </a:ext>
+            </a:extLst>
+          </p:cNvPr>
           <p:cNvSpPr>
             <a:spLocks noGrp="1"/>
           </p:cNvSpPr>
@@ -3494,76 +4271,259 @@
           <a:lstStyle/>
           <a:p>
             <a:r>
-              <a:rPr lang="en-US" dirty="0" smtClean="0"/>
-              <a:t>Our Results</a:t>
+              <a:rPr lang="en-US" dirty="0"/>
+              <a:t>Vectorization</a:t>
+            </a:r>
+          </a:p>
+        </p:txBody>
+      </p:sp>
+      <p:sp>
+        <p:nvSpPr>
+          <p:cNvPr id="3" name="Content Placeholder 2">
+            <a:extLst>
+              <a:ext uri="{FF2B5EF4-FFF2-40B4-BE49-F238E27FC236}">
+                <a16:creationId xmlns:a16="http://schemas.microsoft.com/office/drawing/2014/main" id="{8A69037D-907C-499E-AD05-6FF2411E888D}"/>
+              </a:ext>
+            </a:extLst>
+          </p:cNvPr>
+          <p:cNvSpPr>
+            <a:spLocks noGrp="1"/>
+          </p:cNvSpPr>
+          <p:nvPr>
+            <p:ph idx="1"/>
+          </p:nvPr>
+        </p:nvSpPr>
+        <p:spPr/>
+        <p:txBody>
+          <a:bodyPr/>
+          <a:lstStyle/>
+          <a:p>
+            <a:r>
+              <a:rPr lang="en-US" dirty="0" err="1"/>
+              <a:t>DictVectorizer</a:t>
+            </a:r>
+            <a:r>
+              <a:rPr lang="en-US" dirty="0"/>
+              <a:t> from </a:t>
+            </a:r>
+            <a:r>
+              <a:rPr lang="en-US" dirty="0" err="1"/>
+              <a:t>Sklearn</a:t>
             </a:r>
             <a:endParaRPr lang="en-US" dirty="0"/>
           </a:p>
-        </p:txBody>
-      </p:sp>
-      <p:sp>
-        <p:nvSpPr>
-          <p:cNvPr id="3" name="Content Placeholder 2"/>
-          <p:cNvSpPr>
-            <a:spLocks noGrp="1"/>
-          </p:cNvSpPr>
-          <p:nvPr>
-            <p:ph idx="1"/>
-          </p:nvPr>
-        </p:nvSpPr>
-        <p:spPr/>
-        <p:txBody>
-          <a:bodyPr/>
-          <a:lstStyle/>
-          <a:p>
-            <a:r>
-              <a:rPr lang="en-US" dirty="0" smtClean="0"/>
-              <a:t>Test set classification accuracy after training: 51% - 52%</a:t>
-            </a:r>
-          </a:p>
-          <a:p>
-            <a:pPr lvl="1"/>
-            <a:r>
-              <a:rPr lang="en-US" dirty="0" smtClean="0"/>
-              <a:t>Random weight initialization</a:t>
-            </a:r>
-          </a:p>
-          <a:p>
-            <a:pPr lvl="1"/>
-            <a:r>
-              <a:rPr lang="en-US" dirty="0" smtClean="0"/>
-              <a:t>Random batch selection</a:t>
-            </a:r>
-          </a:p>
-          <a:p>
-            <a:endParaRPr lang="en-US" dirty="0" smtClean="0"/>
-          </a:p>
-          <a:p>
-            <a:r>
-              <a:rPr lang="en-US" dirty="0" smtClean="0"/>
-              <a:t>Improves on random classifier by almost 20%</a:t>
+          <a:p>
+            <a:r>
+              <a:rPr lang="en-US" dirty="0" err="1"/>
+              <a:t>LabelEncoder</a:t>
+            </a:r>
+            <a:r>
+              <a:rPr lang="en-US" dirty="0"/>
+              <a:t> from </a:t>
+            </a:r>
+            <a:r>
+              <a:rPr lang="en-US" dirty="0" err="1"/>
+              <a:t>Sklearn</a:t>
             </a:r>
             <a:endParaRPr lang="en-US" dirty="0"/>
           </a:p>
-        </p:txBody>
-      </p:sp>
+          <a:p>
+            <a:endParaRPr lang="en-US" dirty="0"/>
+          </a:p>
+          <a:p>
+            <a:endParaRPr lang="en-US" dirty="0"/>
+          </a:p>
+        </p:txBody>
+      </p:sp>
+      <p:graphicFrame>
+        <p:nvGraphicFramePr>
+          <p:cNvPr id="5" name="Table 4">
+            <a:extLst>
+              <a:ext uri="{FF2B5EF4-FFF2-40B4-BE49-F238E27FC236}">
+                <a16:creationId xmlns:a16="http://schemas.microsoft.com/office/drawing/2014/main" id="{FA75BDFD-5B0F-4156-B592-2CF3DD1F790C}"/>
+              </a:ext>
+            </a:extLst>
+          </p:cNvPr>
+          <p:cNvGraphicFramePr>
+            <a:graphicFrameLocks noGrp="1"/>
+          </p:cNvGraphicFramePr>
+          <p:nvPr>
+            <p:extLst>
+              <p:ext uri="{D42A27DB-BD31-4B8C-83A1-F6EECF244321}">
+                <p14:modId xmlns:p14="http://schemas.microsoft.com/office/powerpoint/2010/main" val="1570744726"/>
+              </p:ext>
+            </p:extLst>
+          </p:nvPr>
+        </p:nvGraphicFramePr>
+        <p:xfrm>
+          <a:off x="838199" y="3006671"/>
+          <a:ext cx="10515599" cy="3182563"/>
+        </p:xfrm>
+        <a:graphic>
+          <a:graphicData uri="http://schemas.openxmlformats.org/drawingml/2006/table">
+            <a:tbl>
+              <a:tblPr bandRow="1">
+                <a:tableStyleId>{616DA210-FB5B-4158-B5E0-FEB733F419BA}</a:tableStyleId>
+              </a:tblPr>
+              <a:tblGrid>
+                <a:gridCol w="10515599">
+                  <a:extLst>
+                    <a:ext uri="{9D8B030D-6E8A-4147-A177-3AD203B41FA5}">
+                      <a16:colId xmlns:a16="http://schemas.microsoft.com/office/drawing/2014/main" val="2282060629"/>
+                    </a:ext>
+                  </a:extLst>
+                </a:gridCol>
+              </a:tblGrid>
+              <a:tr h="490386">
+                <a:tc>
+                  <a:txBody>
+                    <a:bodyPr/>
+                    <a:lstStyle/>
+                    <a:p>
+                      <a:r>
+                        <a:rPr lang="en-US" dirty="0"/>
+                        <a:t>I liked a @YouTube video https://t.co/iCNLpUrduO Nougat 7.1 for Samsung Galaxy Note 4</a:t>
+                      </a:r>
+                    </a:p>
+                  </a:txBody>
+                  <a:tcPr/>
+                </a:tc>
+                <a:extLst>
+                  <a:ext uri="{0D108BD9-81ED-4DB2-BD59-A6C34878D82A}">
+                    <a16:rowId xmlns:a16="http://schemas.microsoft.com/office/drawing/2014/main" val="39235683"/>
+                  </a:ext>
+                </a:extLst>
+              </a:tr>
+              <a:tr h="481720">
+                <a:tc>
+                  <a:txBody>
+                    <a:bodyPr/>
+                    <a:lstStyle/>
+                    <a:p>
+                      <a:r>
+                        <a:rPr lang="en-US" sz="2800" dirty="0"/>
+                        <a:t>[0. 0. 1. 0. 0. 0. 0. 0. 0. 0. 0. 0. 4. 0. 0. 0. 0. 0.]</a:t>
+                      </a:r>
+                    </a:p>
+                  </a:txBody>
+                  <a:tcPr/>
+                </a:tc>
+                <a:extLst>
+                  <a:ext uri="{0D108BD9-81ED-4DB2-BD59-A6C34878D82A}">
+                    <a16:rowId xmlns:a16="http://schemas.microsoft.com/office/drawing/2014/main" val="544771971"/>
+                  </a:ext>
+                </a:extLst>
+              </a:tr>
+              <a:tr h="470862">
+                <a:tc>
+                  <a:txBody>
+                    <a:bodyPr/>
+                    <a:lstStyle/>
+                    <a:p>
+                      <a:r>
+                        <a:rPr lang="en-US" dirty="0"/>
+                        <a:t>I feel sorry for PM </a:t>
+                      </a:r>
+                      <a:r>
+                        <a:rPr lang="en-US" dirty="0" err="1"/>
+                        <a:t>modi</a:t>
+                      </a:r>
+                      <a:r>
+                        <a:rPr lang="en-US" dirty="0"/>
+                        <a:t>! With such supporters he doesn't need anyone else to hurt his image! Not so "right"</a:t>
+                      </a:r>
+                    </a:p>
+                  </a:txBody>
+                  <a:tcPr/>
+                </a:tc>
+                <a:extLst>
+                  <a:ext uri="{0D108BD9-81ED-4DB2-BD59-A6C34878D82A}">
+                    <a16:rowId xmlns:a16="http://schemas.microsoft.com/office/drawing/2014/main" val="951042872"/>
+                  </a:ext>
+                </a:extLst>
+              </a:tr>
+              <a:tr h="481720">
+                <a:tc>
+                  <a:txBody>
+                    <a:bodyPr/>
+                    <a:lstStyle/>
+                    <a:p>
+                      <a:r>
+                        <a:rPr lang="en-US" sz="2800" dirty="0"/>
+                        <a:t>[1. 0. 1. 0. 0. 0. 2. 0. 2. 0. 0. 0. 1. 0. 1. 0. 0. 0.]</a:t>
+                      </a:r>
+                    </a:p>
+                  </a:txBody>
+                  <a:tcPr/>
+                </a:tc>
+                <a:extLst>
+                  <a:ext uri="{0D108BD9-81ED-4DB2-BD59-A6C34878D82A}">
+                    <a16:rowId xmlns:a16="http://schemas.microsoft.com/office/drawing/2014/main" val="469111142"/>
+                  </a:ext>
+                </a:extLst>
+              </a:tr>
+              <a:tr h="666835">
+                <a:tc>
+                  <a:txBody>
+                    <a:bodyPr/>
+                    <a:lstStyle/>
+                    <a:p>
+                      <a:r>
+                        <a:rPr lang="en-US" dirty="0"/>
+                        <a:t>@</a:t>
+                      </a:r>
+                      <a:r>
+                        <a:rPr lang="en-US" dirty="0" err="1"/>
+                        <a:t>jamescharles</a:t>
+                      </a:r>
+                      <a:r>
+                        <a:rPr lang="en-US" dirty="0"/>
+                        <a:t> I'm sorry😕It's not their business-what kind of people are they to wish these things on you that are worse than animal testing</a:t>
+                      </a:r>
+                    </a:p>
+                  </a:txBody>
+                  <a:tcPr/>
+                </a:tc>
+                <a:extLst>
+                  <a:ext uri="{0D108BD9-81ED-4DB2-BD59-A6C34878D82A}">
+                    <a16:rowId xmlns:a16="http://schemas.microsoft.com/office/drawing/2014/main" val="3285437815"/>
+                  </a:ext>
+                </a:extLst>
+              </a:tr>
+              <a:tr h="481720">
+                <a:tc>
+                  <a:txBody>
+                    <a:bodyPr/>
+                    <a:lstStyle/>
+                    <a:p>
+                      <a:r>
+                        <a:rPr lang="en-US" sz="2800" dirty="0"/>
+                        <a:t>[0. 0. 0. 0. 0. 0. 0. 0. 1. 0. 1. 0. 0. 0. 1. 0. 1. 0.]</a:t>
+                      </a:r>
+                    </a:p>
+                  </a:txBody>
+                  <a:tcPr/>
+                </a:tc>
+                <a:extLst>
+                  <a:ext uri="{0D108BD9-81ED-4DB2-BD59-A6C34878D82A}">
+                    <a16:rowId xmlns:a16="http://schemas.microsoft.com/office/drawing/2014/main" val="1738179666"/>
+                  </a:ext>
+                </a:extLst>
+              </a:tr>
+            </a:tbl>
+          </a:graphicData>
+        </a:graphic>
+      </p:graphicFrame>
     </p:spTree>
     <p:extLst>
       <p:ext uri="{BB962C8B-B14F-4D97-AF65-F5344CB8AC3E}">
-        <p14:creationId xmlns:p14="http://schemas.microsoft.com/office/powerpoint/2010/main" val="3882382905"/>
+        <p14:creationId xmlns:p14="http://schemas.microsoft.com/office/powerpoint/2010/main" val="241331549"/>
       </p:ext>
     </p:extLst>
   </p:cSld>
   <p:clrMapOvr>
     <a:masterClrMapping/>
   </p:clrMapOvr>
-  <p:timing>
-    <p:tnLst>
-      <p:par>
-        <p:cTn id="1" dur="indefinite" restart="never" nodeType="tmRoot"/>
-      </p:par>
-    </p:tnLst>
-  </p:timing>
 </p:sld>
 </file>
 
@@ -3600,10 +4560,210 @@
           <a:lstStyle/>
           <a:p>
             <a:r>
-              <a:rPr lang="en-US" dirty="0" smtClean="0"/>
+              <a:rPr lang="en-US" dirty="0"/>
+              <a:t>Results</a:t>
+            </a:r>
+          </a:p>
+        </p:txBody>
+      </p:sp>
+      <p:sp>
+        <p:nvSpPr>
+          <p:cNvPr id="3" name="Text Placeholder 2"/>
+          <p:cNvSpPr>
+            <a:spLocks noGrp="1"/>
+          </p:cNvSpPr>
+          <p:nvPr>
+            <p:ph type="body" idx="1"/>
+          </p:nvPr>
+        </p:nvSpPr>
+        <p:spPr/>
+        <p:txBody>
+          <a:bodyPr/>
+          <a:lstStyle/>
+          <a:p>
+            <a:r>
+              <a:rPr lang="en-US" dirty="0"/>
+              <a:t>Analysis of Our Methods</a:t>
+            </a:r>
+          </a:p>
+        </p:txBody>
+      </p:sp>
+    </p:spTree>
+    <p:extLst>
+      <p:ext uri="{BB962C8B-B14F-4D97-AF65-F5344CB8AC3E}">
+        <p14:creationId xmlns:p14="http://schemas.microsoft.com/office/powerpoint/2010/main" val="1888784255"/>
+      </p:ext>
+    </p:extLst>
+  </p:cSld>
+  <p:clrMapOvr>
+    <a:masterClrMapping/>
+  </p:clrMapOvr>
+</p:sld>
+</file>
+
+<file path=ppt/slides/slide16.xml><?xml version="1.0" encoding="utf-8"?>
+<p:sld xmlns:a="http://schemas.openxmlformats.org/drawingml/2006/main" xmlns:r="http://schemas.openxmlformats.org/officeDocument/2006/relationships" xmlns:p="http://schemas.openxmlformats.org/presentationml/2006/main">
+  <p:cSld>
+    <p:spTree>
+      <p:nvGrpSpPr>
+        <p:cNvPr id="1" name=""/>
+        <p:cNvGrpSpPr/>
+        <p:nvPr/>
+      </p:nvGrpSpPr>
+      <p:grpSpPr>
+        <a:xfrm>
+          <a:off x="0" y="0"/>
+          <a:ext cx="0" cy="0"/>
+          <a:chOff x="0" y="0"/>
+          <a:chExt cx="0" cy="0"/>
+        </a:xfrm>
+      </p:grpSpPr>
+      <p:sp>
+        <p:nvSpPr>
+          <p:cNvPr id="2" name="Title 1"/>
+          <p:cNvSpPr>
+            <a:spLocks noGrp="1"/>
+          </p:cNvSpPr>
+          <p:nvPr>
+            <p:ph type="title"/>
+          </p:nvPr>
+        </p:nvSpPr>
+        <p:spPr/>
+        <p:txBody>
+          <a:bodyPr/>
+          <a:lstStyle/>
+          <a:p>
+            <a:r>
+              <a:rPr lang="en-US" dirty="0"/>
               <a:t>Our Results</a:t>
             </a:r>
+          </a:p>
+        </p:txBody>
+      </p:sp>
+      <p:sp>
+        <p:nvSpPr>
+          <p:cNvPr id="3" name="Content Placeholder 2"/>
+          <p:cNvSpPr>
+            <a:spLocks noGrp="1"/>
+          </p:cNvSpPr>
+          <p:nvPr>
+            <p:ph idx="1"/>
+          </p:nvPr>
+        </p:nvSpPr>
+        <p:spPr/>
+        <p:txBody>
+          <a:bodyPr/>
+          <a:lstStyle/>
+          <a:p>
+            <a:r>
+              <a:rPr lang="en-US" dirty="0"/>
+              <a:t>Test set classification accuracy after training: 51% - 52%</a:t>
+            </a:r>
+          </a:p>
+          <a:p>
+            <a:pPr lvl="1"/>
+            <a:r>
+              <a:rPr lang="en-US" dirty="0"/>
+              <a:t>Random weight initialization</a:t>
+            </a:r>
+          </a:p>
+          <a:p>
+            <a:pPr lvl="1"/>
+            <a:r>
+              <a:rPr lang="en-US" dirty="0"/>
+              <a:t>Random batch selection</a:t>
+            </a:r>
+          </a:p>
+          <a:p>
             <a:endParaRPr lang="en-US" dirty="0"/>
+          </a:p>
+          <a:p>
+            <a:r>
+              <a:rPr lang="en-US" dirty="0"/>
+              <a:t>Improves on random classifier by almost 20%</a:t>
+            </a:r>
+          </a:p>
+        </p:txBody>
+      </p:sp>
+      <p:pic>
+        <p:nvPicPr>
+          <p:cNvPr id="4" name="Picture 3">
+            <a:extLst>
+              <a:ext uri="{FF2B5EF4-FFF2-40B4-BE49-F238E27FC236}">
+                <a16:creationId xmlns:a16="http://schemas.microsoft.com/office/drawing/2014/main" id="{244A7435-FF69-4234-AB3B-13C69FB426D6}"/>
+              </a:ext>
+            </a:extLst>
+          </p:cNvPr>
+          <p:cNvPicPr>
+            <a:picLocks noChangeAspect="1"/>
+          </p:cNvPicPr>
+          <p:nvPr/>
+        </p:nvPicPr>
+        <p:blipFill>
+          <a:blip r:embed="rId2"/>
+          <a:stretch>
+            <a:fillRect/>
+          </a:stretch>
+        </p:blipFill>
+        <p:spPr>
+          <a:xfrm>
+            <a:off x="1314254" y="4726903"/>
+            <a:ext cx="9563491" cy="1450060"/>
+          </a:xfrm>
+          <a:prstGeom prst="rect">
+            <a:avLst/>
+          </a:prstGeom>
+        </p:spPr>
+      </p:pic>
+    </p:spTree>
+    <p:extLst>
+      <p:ext uri="{BB962C8B-B14F-4D97-AF65-F5344CB8AC3E}">
+        <p14:creationId xmlns:p14="http://schemas.microsoft.com/office/powerpoint/2010/main" val="3882382905"/>
+      </p:ext>
+    </p:extLst>
+  </p:cSld>
+  <p:clrMapOvr>
+    <a:masterClrMapping/>
+  </p:clrMapOvr>
+</p:sld>
+</file>
+
+<file path=ppt/slides/slide17.xml><?xml version="1.0" encoding="utf-8"?>
+<p:sld xmlns:a="http://schemas.openxmlformats.org/drawingml/2006/main" xmlns:r="http://schemas.openxmlformats.org/officeDocument/2006/relationships" xmlns:p="http://schemas.openxmlformats.org/presentationml/2006/main">
+  <p:cSld>
+    <p:spTree>
+      <p:nvGrpSpPr>
+        <p:cNvPr id="1" name=""/>
+        <p:cNvGrpSpPr/>
+        <p:nvPr/>
+      </p:nvGrpSpPr>
+      <p:grpSpPr>
+        <a:xfrm>
+          <a:off x="0" y="0"/>
+          <a:ext cx="0" cy="0"/>
+          <a:chOff x="0" y="0"/>
+          <a:chExt cx="0" cy="0"/>
+        </a:xfrm>
+      </p:grpSpPr>
+      <p:sp>
+        <p:nvSpPr>
+          <p:cNvPr id="2" name="Title 1"/>
+          <p:cNvSpPr>
+            <a:spLocks noGrp="1"/>
+          </p:cNvSpPr>
+          <p:nvPr>
+            <p:ph type="title"/>
+          </p:nvPr>
+        </p:nvSpPr>
+        <p:spPr/>
+        <p:txBody>
+          <a:bodyPr/>
+          <a:lstStyle/>
+          <a:p>
+            <a:r>
+              <a:rPr lang="en-US" dirty="0"/>
+              <a:t>Our Results</a:t>
+            </a:r>
           </a:p>
         </p:txBody>
       </p:sp>
@@ -3663,10 +4823,9 @@
                     <a:p>
                       <a:pPr algn="ctr"/>
                       <a:r>
-                        <a:rPr lang="en-US" sz="2000" dirty="0" smtClean="0"/>
+                        <a:rPr lang="en-US" sz="2000" dirty="0"/>
                         <a:t>Raw Text</a:t>
                       </a:r>
-                      <a:endParaRPr lang="en-US" sz="2000" dirty="0"/>
                     </a:p>
                   </a:txBody>
                   <a:tcPr/>
@@ -3678,10 +4837,9 @@
                     <a:p>
                       <a:pPr algn="ctr"/>
                       <a:r>
-                        <a:rPr lang="en-US" sz="2000" dirty="0" smtClean="0"/>
+                        <a:rPr lang="en-US" sz="2000" dirty="0"/>
                         <a:t>Gold Label</a:t>
                       </a:r>
-                      <a:endParaRPr lang="en-US" sz="2000" dirty="0"/>
                     </a:p>
                   </a:txBody>
                   <a:tcPr/>
@@ -3693,10 +4851,9 @@
                     <a:p>
                       <a:pPr algn="ctr"/>
                       <a:r>
-                        <a:rPr lang="en-US" sz="2000" dirty="0" smtClean="0"/>
+                        <a:rPr lang="en-US" sz="2000" dirty="0"/>
                         <a:t>Predicted Label</a:t>
                       </a:r>
-                      <a:endParaRPr lang="en-US" sz="2000" dirty="0"/>
                     </a:p>
                   </a:txBody>
                   <a:tcPr/>
@@ -3714,11 +4871,11 @@
                     <a:lstStyle/>
                     <a:p>
                       <a:r>
-                        <a:rPr lang="en-US" sz="2000" dirty="0" smtClean="0"/>
+                        <a:rPr lang="en-US" sz="2000" dirty="0"/>
                         <a:t>Homeopathy can be safely used to treat animals as well as humans. It can be used to treat both acute and chronic... </a:t>
                       </a:r>
                       <a:r>
-                        <a:rPr lang="en-US" sz="2000" u="sng" kern="1200" dirty="0" smtClean="0">
+                        <a:rPr lang="en-US" sz="2000" u="sng" kern="1200" dirty="0">
                           <a:solidFill>
                             <a:schemeClr val="dk1"/>
                           </a:solidFill>
@@ -3742,10 +4899,9 @@
                     <a:p>
                       <a:pPr algn="ctr"/>
                       <a:r>
-                        <a:rPr lang="en-US" sz="2000" dirty="0" smtClean="0"/>
+                        <a:rPr lang="en-US" sz="2000" dirty="0"/>
                         <a:t>Positive</a:t>
                       </a:r>
-                      <a:endParaRPr lang="en-US" sz="2000" dirty="0"/>
                     </a:p>
                   </a:txBody>
                   <a:tcPr/>
@@ -3757,10 +4913,9 @@
                     <a:p>
                       <a:pPr algn="ctr"/>
                       <a:r>
-                        <a:rPr lang="en-US" sz="2000" dirty="0" smtClean="0"/>
+                        <a:rPr lang="en-US" sz="2000" dirty="0"/>
                         <a:t>Positive</a:t>
                       </a:r>
-                      <a:endParaRPr lang="en-US" sz="2000" dirty="0"/>
                     </a:p>
                   </a:txBody>
                   <a:tcPr/>
@@ -3778,26 +4933,25 @@
                     <a:lstStyle/>
                     <a:p>
                       <a:r>
-                        <a:rPr lang="en-US" sz="2000" dirty="0" smtClean="0"/>
+                        <a:rPr lang="en-US" sz="2000" dirty="0"/>
                         <a:t>@</a:t>
                       </a:r>
                       <a:r>
-                        <a:rPr lang="en-US" sz="2000" dirty="0" err="1" smtClean="0"/>
+                        <a:rPr lang="en-US" sz="2000" dirty="0" err="1"/>
                         <a:t>EAAZuz</a:t>
                       </a:r>
                       <a:r>
-                        <a:rPr lang="en-US" sz="2000" dirty="0" smtClean="0"/>
+                        <a:rPr lang="en-US" sz="2000" dirty="0"/>
                         <a:t> @</a:t>
                       </a:r>
                       <a:r>
-                        <a:rPr lang="en-US" sz="2000" dirty="0" err="1" smtClean="0"/>
+                        <a:rPr lang="en-US" sz="2000" dirty="0" err="1"/>
                         <a:t>UN_News_Centre</a:t>
                       </a:r>
                       <a:r>
-                        <a:rPr lang="en-US" sz="2000" dirty="0" smtClean="0"/>
+                        <a:rPr lang="en-US" sz="2000" dirty="0"/>
                         <a:t> even that carries a responsibility for the LNA to address the issue of human shields. #Libya</a:t>
                       </a:r>
-                      <a:endParaRPr lang="en-US" sz="2000" dirty="0"/>
                     </a:p>
                   </a:txBody>
                   <a:tcPr/>
@@ -3809,10 +4963,9 @@
                     <a:p>
                       <a:pPr algn="ctr"/>
                       <a:r>
-                        <a:rPr lang="en-US" sz="2000" dirty="0" smtClean="0"/>
+                        <a:rPr lang="en-US" sz="2000" dirty="0"/>
                         <a:t>Neutral</a:t>
                       </a:r>
-                      <a:endParaRPr lang="en-US" sz="2000" dirty="0"/>
                     </a:p>
                   </a:txBody>
                   <a:tcPr/>
@@ -3824,10 +4977,9 @@
                     <a:p>
                       <a:pPr algn="ctr"/>
                       <a:r>
-                        <a:rPr lang="en-US" sz="2000" dirty="0" smtClean="0"/>
+                        <a:rPr lang="en-US" sz="2000" dirty="0"/>
                         <a:t>Neutral</a:t>
                       </a:r>
-                      <a:endParaRPr lang="en-US" sz="2000" dirty="0"/>
                     </a:p>
                   </a:txBody>
                   <a:tcPr/>
@@ -3845,18 +4997,17 @@
                     <a:lstStyle/>
                     <a:p>
                       <a:r>
-                        <a:rPr lang="en-US" sz="2000" dirty="0" smtClean="0"/>
+                        <a:rPr lang="en-US" sz="2000" dirty="0"/>
                         <a:t>@</a:t>
                       </a:r>
                       <a:r>
-                        <a:rPr lang="en-US" sz="2000" dirty="0" err="1" smtClean="0"/>
+                        <a:rPr lang="en-US" sz="2000" dirty="0" err="1"/>
                         <a:t>jamescharles</a:t>
                       </a:r>
                       <a:r>
-                        <a:rPr lang="en-US" sz="2000" dirty="0" smtClean="0"/>
+                        <a:rPr lang="en-US" sz="2000" dirty="0"/>
                         <a:t> I'm sorry😕It's not their business-what kind of people are they to wish these things on you that are worse than animal testing</a:t>
                       </a:r>
-                      <a:endParaRPr lang="en-US" sz="2000" dirty="0"/>
                     </a:p>
                   </a:txBody>
                   <a:tcPr/>
@@ -3868,10 +5019,9 @@
                     <a:p>
                       <a:pPr algn="ctr"/>
                       <a:r>
-                        <a:rPr lang="en-US" sz="2000" dirty="0" smtClean="0"/>
+                        <a:rPr lang="en-US" sz="2000" dirty="0"/>
                         <a:t>Negative</a:t>
                       </a:r>
-                      <a:endParaRPr lang="en-US" sz="2000" dirty="0"/>
                     </a:p>
                   </a:txBody>
                   <a:tcPr/>
@@ -3883,10 +5033,9 @@
                     <a:p>
                       <a:pPr algn="ctr"/>
                       <a:r>
-                        <a:rPr lang="en-US" sz="2000" dirty="0" smtClean="0"/>
+                        <a:rPr lang="en-US" sz="2000" dirty="0"/>
                         <a:t>Negative</a:t>
                       </a:r>
-                      <a:endParaRPr lang="en-US" sz="2000" dirty="0"/>
                     </a:p>
                   </a:txBody>
                   <a:tcPr/>
@@ -3904,11 +5053,11 @@
                     <a:lstStyle/>
                     <a:p>
                       <a:r>
-                        <a:rPr lang="en-US" sz="2000" dirty="0" smtClean="0"/>
+                        <a:rPr lang="en-US" sz="2000" dirty="0"/>
                         <a:t>He is only trying to clean up Philippines. What is death penalty compared to the threat of Islamic terrorism? </a:t>
                       </a:r>
                       <a:r>
-                        <a:rPr lang="en-US" sz="2000" u="sng" kern="1200" dirty="0" smtClean="0">
+                        <a:rPr lang="en-US" sz="2000" u="sng" kern="1200" dirty="0">
                           <a:solidFill>
                             <a:schemeClr val="dk1"/>
                           </a:solidFill>
@@ -3932,10 +5081,9 @@
                     <a:p>
                       <a:pPr algn="ctr"/>
                       <a:r>
-                        <a:rPr lang="en-US" sz="2000" dirty="0" smtClean="0"/>
+                        <a:rPr lang="en-US" sz="2000" dirty="0"/>
                         <a:t>Neutral</a:t>
                       </a:r>
-                      <a:endParaRPr lang="en-US" sz="2000" dirty="0"/>
                     </a:p>
                   </a:txBody>
                   <a:tcPr/>
@@ -3947,10 +5095,9 @@
                     <a:p>
                       <a:pPr algn="ctr"/>
                       <a:r>
-                        <a:rPr lang="en-US" sz="2000" dirty="0" smtClean="0"/>
+                        <a:rPr lang="en-US" sz="2000" dirty="0"/>
                         <a:t>Positive</a:t>
                       </a:r>
-                      <a:endParaRPr lang="en-US" sz="2000" dirty="0"/>
                     </a:p>
                   </a:txBody>
                   <a:tcPr/>
@@ -3968,11 +5115,11 @@
                     <a:lstStyle/>
                     <a:p>
                       <a:r>
-                        <a:rPr lang="en-US" sz="2000" dirty="0" smtClean="0"/>
+                        <a:rPr lang="en-US" sz="2000" dirty="0"/>
                         <a:t>Ukraine tweeter is sarcastic after the EU's Juncker said Poroshenko is to cancel wood export ban. Futuristic pic of… </a:t>
                       </a:r>
                       <a:r>
-                        <a:rPr lang="en-US" sz="2000" u="sng" kern="1200" dirty="0" smtClean="0">
+                        <a:rPr lang="en-US" sz="2000" u="sng" kern="1200" dirty="0">
                           <a:solidFill>
                             <a:schemeClr val="dk1"/>
                           </a:solidFill>
@@ -3996,10 +5143,9 @@
                     <a:p>
                       <a:pPr algn="ctr"/>
                       <a:r>
-                        <a:rPr lang="en-US" sz="2000" dirty="0" smtClean="0"/>
+                        <a:rPr lang="en-US" sz="2000" dirty="0"/>
                         <a:t>Negative</a:t>
                       </a:r>
-                      <a:endParaRPr lang="en-US" sz="2000" dirty="0"/>
                     </a:p>
                   </a:txBody>
                   <a:tcPr/>
@@ -4011,10 +5157,9 @@
                     <a:p>
                       <a:pPr algn="ctr"/>
                       <a:r>
-                        <a:rPr lang="en-US" sz="2000" dirty="0" smtClean="0"/>
+                        <a:rPr lang="en-US" sz="2000" dirty="0"/>
                         <a:t>Neutral</a:t>
                       </a:r>
-                      <a:endParaRPr lang="en-US" sz="2000" dirty="0"/>
                     </a:p>
                   </a:txBody>
                   <a:tcPr/>
@@ -4039,171 +5184,6 @@
   <p:clrMapOvr>
     <a:masterClrMapping/>
   </p:clrMapOvr>
-  <p:timing>
-    <p:tnLst>
-      <p:par>
-        <p:cTn id="1" dur="indefinite" restart="never" nodeType="tmRoot"/>
-      </p:par>
-    </p:tnLst>
-  </p:timing>
-</p:sld>
-</file>
-
-<file path=ppt/slides/slide16.xml><?xml version="1.0" encoding="utf-8"?>
-<p:sld xmlns:a="http://schemas.openxmlformats.org/drawingml/2006/main" xmlns:r="http://schemas.openxmlformats.org/officeDocument/2006/relationships" xmlns:p="http://schemas.openxmlformats.org/presentationml/2006/main">
-  <p:cSld>
-    <p:spTree>
-      <p:nvGrpSpPr>
-        <p:cNvPr id="1" name=""/>
-        <p:cNvGrpSpPr/>
-        <p:nvPr/>
-      </p:nvGrpSpPr>
-      <p:grpSpPr>
-        <a:xfrm>
-          <a:off x="0" y="0"/>
-          <a:ext cx="0" cy="0"/>
-          <a:chOff x="0" y="0"/>
-          <a:chExt cx="0" cy="0"/>
-        </a:xfrm>
-      </p:grpSpPr>
-      <p:sp>
-        <p:nvSpPr>
-          <p:cNvPr id="2" name="Title 1"/>
-          <p:cNvSpPr>
-            <a:spLocks noGrp="1"/>
-          </p:cNvSpPr>
-          <p:nvPr>
-            <p:ph type="title"/>
-          </p:nvPr>
-        </p:nvSpPr>
-        <p:spPr/>
-        <p:txBody>
-          <a:bodyPr/>
-          <a:lstStyle/>
-          <a:p>
-            <a:endParaRPr lang="en-US"/>
-          </a:p>
-        </p:txBody>
-      </p:sp>
-      <p:sp>
-        <p:nvSpPr>
-          <p:cNvPr id="3" name="Content Placeholder 2"/>
-          <p:cNvSpPr>
-            <a:spLocks noGrp="1"/>
-          </p:cNvSpPr>
-          <p:nvPr>
-            <p:ph idx="1"/>
-          </p:nvPr>
-        </p:nvSpPr>
-        <p:spPr/>
-        <p:txBody>
-          <a:bodyPr/>
-          <a:lstStyle/>
-          <a:p>
-            <a:endParaRPr lang="en-US"/>
-          </a:p>
-        </p:txBody>
-      </p:sp>
-    </p:spTree>
-    <p:extLst>
-      <p:ext uri="{BB962C8B-B14F-4D97-AF65-F5344CB8AC3E}">
-        <p14:creationId xmlns:p14="http://schemas.microsoft.com/office/powerpoint/2010/main" val="577823245"/>
-      </p:ext>
-    </p:extLst>
-  </p:cSld>
-  <p:clrMapOvr>
-    <a:masterClrMapping/>
-  </p:clrMapOvr>
-  <p:timing>
-    <p:tnLst>
-      <p:par>
-        <p:cTn id="1" dur="indefinite" restart="never" nodeType="tmRoot"/>
-      </p:par>
-    </p:tnLst>
-  </p:timing>
-</p:sld>
-</file>
-
-<file path=ppt/slides/slide17.xml><?xml version="1.0" encoding="utf-8"?>
-<p:sld xmlns:a="http://schemas.openxmlformats.org/drawingml/2006/main" xmlns:r="http://schemas.openxmlformats.org/officeDocument/2006/relationships" xmlns:p="http://schemas.openxmlformats.org/presentationml/2006/main">
-  <p:cSld>
-    <p:spTree>
-      <p:nvGrpSpPr>
-        <p:cNvPr id="1" name=""/>
-        <p:cNvGrpSpPr/>
-        <p:nvPr/>
-      </p:nvGrpSpPr>
-      <p:grpSpPr>
-        <a:xfrm>
-          <a:off x="0" y="0"/>
-          <a:ext cx="0" cy="0"/>
-          <a:chOff x="0" y="0"/>
-          <a:chExt cx="0" cy="0"/>
-        </a:xfrm>
-      </p:grpSpPr>
-      <p:sp>
-        <p:nvSpPr>
-          <p:cNvPr id="2" name="Title 1"/>
-          <p:cNvSpPr>
-            <a:spLocks noGrp="1"/>
-          </p:cNvSpPr>
-          <p:nvPr>
-            <p:ph type="title"/>
-          </p:nvPr>
-        </p:nvSpPr>
-        <p:spPr/>
-        <p:txBody>
-          <a:bodyPr/>
-          <a:lstStyle/>
-          <a:p>
-            <a:r>
-              <a:rPr lang="en-US" dirty="0" smtClean="0"/>
-              <a:t>Conclusion</a:t>
-            </a:r>
-            <a:endParaRPr lang="en-US" dirty="0"/>
-          </a:p>
-        </p:txBody>
-      </p:sp>
-      <p:sp>
-        <p:nvSpPr>
-          <p:cNvPr id="3" name="Text Placeholder 2"/>
-          <p:cNvSpPr>
-            <a:spLocks noGrp="1"/>
-          </p:cNvSpPr>
-          <p:nvPr>
-            <p:ph type="body" idx="1"/>
-          </p:nvPr>
-        </p:nvSpPr>
-        <p:spPr/>
-        <p:txBody>
-          <a:bodyPr/>
-          <a:lstStyle/>
-          <a:p>
-            <a:r>
-              <a:rPr lang="en-US" dirty="0" smtClean="0"/>
-              <a:t>Summing Up</a:t>
-            </a:r>
-            <a:endParaRPr lang="en-US" dirty="0"/>
-          </a:p>
-        </p:txBody>
-      </p:sp>
-    </p:spTree>
-    <p:extLst>
-      <p:ext uri="{BB962C8B-B14F-4D97-AF65-F5344CB8AC3E}">
-        <p14:creationId xmlns:p14="http://schemas.microsoft.com/office/powerpoint/2010/main" val="3702978675"/>
-      </p:ext>
-    </p:extLst>
-  </p:cSld>
-  <p:clrMapOvr>
-    <a:masterClrMapping/>
-  </p:clrMapOvr>
-  <p:timing>
-    <p:tnLst>
-      <p:par>
-        <p:cTn id="1" dur="indefinite" restart="never" nodeType="tmRoot"/>
-      </p:par>
-    </p:tnLst>
-  </p:timing>
 </p:sld>
 </file>
 
@@ -4240,79 +5220,121 @@
           <a:lstStyle/>
           <a:p>
             <a:r>
-              <a:rPr lang="en-US" dirty="0" smtClean="0"/>
-              <a:t>A Look Back</a:t>
-            </a:r>
+              <a:rPr lang="en-US" dirty="0"/>
+              <a:t>Other Results</a:t>
+            </a:r>
+          </a:p>
+        </p:txBody>
+      </p:sp>
+      <p:sp>
+        <p:nvSpPr>
+          <p:cNvPr id="3" name="Content Placeholder 2"/>
+          <p:cNvSpPr>
+            <a:spLocks noGrp="1"/>
+          </p:cNvSpPr>
+          <p:nvPr>
+            <p:ph idx="1"/>
+          </p:nvPr>
+        </p:nvSpPr>
+        <p:spPr>
+          <a:xfrm>
+            <a:off x="838200" y="1825625"/>
+            <a:ext cx="5097379" cy="4351338"/>
+          </a:xfrm>
+        </p:spPr>
+        <p:txBody>
+          <a:bodyPr>
+            <a:normAutofit/>
+          </a:bodyPr>
+          <a:lstStyle/>
+          <a:p>
+            <a:r>
+              <a:rPr lang="en-US" dirty="0"/>
+              <a:t>Ranged between 33% accuracy to 65%</a:t>
+            </a:r>
+          </a:p>
+          <a:p>
             <a:endParaRPr lang="en-US" dirty="0"/>
           </a:p>
-        </p:txBody>
-      </p:sp>
-      <p:sp>
-        <p:nvSpPr>
-          <p:cNvPr id="3" name="Content Placeholder 2"/>
-          <p:cNvSpPr>
-            <a:spLocks noGrp="1"/>
-          </p:cNvSpPr>
-          <p:nvPr>
-            <p:ph idx="1"/>
-          </p:nvPr>
-        </p:nvSpPr>
-        <p:spPr/>
-        <p:txBody>
-          <a:bodyPr/>
-          <a:lstStyle/>
-          <a:p>
-            <a:r>
-              <a:rPr lang="en-US" dirty="0" smtClean="0"/>
-              <a:t>Attempt to analyze sentiment on tweets</a:t>
-            </a:r>
-          </a:p>
-          <a:p>
-            <a:r>
-              <a:rPr lang="en-US" dirty="0" smtClean="0"/>
-              <a:t>Deep Neural Network</a:t>
-            </a:r>
-          </a:p>
-          <a:p>
-            <a:r>
-              <a:rPr lang="en-US" dirty="0" smtClean="0"/>
-              <a:t>Regularization and Normalization</a:t>
-            </a:r>
-          </a:p>
-          <a:p>
-            <a:r>
-              <a:rPr lang="en-US" dirty="0" smtClean="0"/>
-              <a:t>Feature selection and vectorization</a:t>
-            </a:r>
-          </a:p>
-          <a:p>
-            <a:r>
-              <a:rPr lang="en-US" dirty="0" smtClean="0"/>
-              <a:t>Result analysis</a:t>
+          <a:p>
+            <a:r>
+              <a:rPr lang="en-US" dirty="0"/>
+              <a:t>We would rank the 25</a:t>
+            </a:r>
+            <a:r>
+              <a:rPr lang="en-US" baseline="30000" dirty="0"/>
+              <a:t>th</a:t>
+            </a:r>
+            <a:r>
+              <a:rPr lang="en-US" dirty="0"/>
+              <a:t> </a:t>
             </a:r>
           </a:p>
           <a:p>
             <a:endParaRPr lang="en-US" dirty="0"/>
           </a:p>
-        </p:txBody>
-      </p:sp>
+          <a:p>
+            <a:r>
+              <a:rPr lang="en-US" dirty="0"/>
+              <a:t>At least 20 teams used deep learning such as CNN and LSTM</a:t>
+            </a:r>
+          </a:p>
+          <a:p>
+            <a:endParaRPr lang="en-US" dirty="0"/>
+          </a:p>
+          <a:p>
+            <a:r>
+              <a:rPr lang="en-US" dirty="0"/>
+              <a:t>NLTK, Tensor-flow, Weka, </a:t>
+            </a:r>
+            <a:r>
+              <a:rPr lang="en-US" dirty="0" err="1"/>
+              <a:t>Keras</a:t>
+            </a:r>
+            <a:endParaRPr lang="en-US" dirty="0"/>
+          </a:p>
+        </p:txBody>
+      </p:sp>
+      <p:pic>
+        <p:nvPicPr>
+          <p:cNvPr id="4" name="Picture 3">
+            <a:extLst>
+              <a:ext uri="{FF2B5EF4-FFF2-40B4-BE49-F238E27FC236}">
+                <a16:creationId xmlns:a16="http://schemas.microsoft.com/office/drawing/2014/main" id="{DB782B9A-3552-4EB9-B1A0-59AAC82DA01E}"/>
+              </a:ext>
+            </a:extLst>
+          </p:cNvPr>
+          <p:cNvPicPr>
+            <a:picLocks noChangeAspect="1"/>
+          </p:cNvPicPr>
+          <p:nvPr/>
+        </p:nvPicPr>
+        <p:blipFill>
+          <a:blip r:embed="rId2"/>
+          <a:stretch>
+            <a:fillRect/>
+          </a:stretch>
+        </p:blipFill>
+        <p:spPr>
+          <a:xfrm>
+            <a:off x="6096000" y="1825625"/>
+            <a:ext cx="5295900" cy="4174122"/>
+          </a:xfrm>
+          <a:prstGeom prst="rect">
+            <a:avLst/>
+          </a:prstGeom>
+        </p:spPr>
+      </p:pic>
     </p:spTree>
     <p:extLst>
       <p:ext uri="{BB962C8B-B14F-4D97-AF65-F5344CB8AC3E}">
-        <p14:creationId xmlns:p14="http://schemas.microsoft.com/office/powerpoint/2010/main" val="3336923833"/>
+        <p14:creationId xmlns:p14="http://schemas.microsoft.com/office/powerpoint/2010/main" val="577823245"/>
       </p:ext>
     </p:extLst>
   </p:cSld>
   <p:clrMapOvr>
     <a:masterClrMapping/>
   </p:clrMapOvr>
-  <p:timing>
-    <p:tnLst>
-      <p:par>
-        <p:cTn id="1" dur="indefinite" restart="never" nodeType="tmRoot"/>
-      </p:par>
-    </p:tnLst>
-  </p:timing>
 </p:sld>
 </file>
 
@@ -4349,83 +5371,30 @@
           <a:lstStyle/>
           <a:p>
             <a:r>
-              <a:rPr lang="en-US" dirty="0" smtClean="0"/>
-              <a:t>Strengths and Weaknesses</a:t>
-            </a:r>
-            <a:endParaRPr lang="en-US" dirty="0"/>
-          </a:p>
-        </p:txBody>
-      </p:sp>
-      <p:sp>
-        <p:nvSpPr>
-          <p:cNvPr id="3" name="Content Placeholder 2"/>
-          <p:cNvSpPr>
-            <a:spLocks noGrp="1"/>
-          </p:cNvSpPr>
-          <p:nvPr>
-            <p:ph idx="1"/>
-          </p:nvPr>
-        </p:nvSpPr>
-        <p:spPr/>
-        <p:txBody>
-          <a:bodyPr/>
-          <a:lstStyle/>
-          <a:p>
-            <a:r>
-              <a:rPr lang="en-US" dirty="0" smtClean="0"/>
-              <a:t>Strengths:</a:t>
-            </a:r>
-          </a:p>
-          <a:p>
-            <a:pPr lvl="1"/>
-            <a:r>
-              <a:rPr lang="en-US" dirty="0" smtClean="0"/>
-              <a:t>Automatic extraction of complex features</a:t>
-            </a:r>
-          </a:p>
-          <a:p>
-            <a:pPr lvl="1"/>
-            <a:r>
-              <a:rPr lang="en-US" dirty="0" smtClean="0"/>
-              <a:t>Plenty of parameters and optimization options</a:t>
-            </a:r>
-          </a:p>
-          <a:p>
-            <a:pPr lvl="1"/>
-            <a:r>
-              <a:rPr lang="en-US" dirty="0" smtClean="0"/>
-              <a:t>Feature selection limited only by your imagination</a:t>
-            </a:r>
-            <a:endParaRPr lang="en-US" dirty="0"/>
-          </a:p>
-          <a:p>
-            <a:endParaRPr lang="en-US" dirty="0" smtClean="0"/>
-          </a:p>
-          <a:p>
-            <a:r>
-              <a:rPr lang="en-US" dirty="0" smtClean="0"/>
-              <a:t>Weaknesses:</a:t>
-            </a:r>
-          </a:p>
-          <a:p>
-            <a:pPr lvl="1"/>
-            <a:r>
-              <a:rPr lang="en-US" dirty="0" smtClean="0"/>
-              <a:t>Training is time-consuming</a:t>
-            </a:r>
-          </a:p>
-          <a:p>
-            <a:pPr lvl="1"/>
-            <a:r>
-              <a:rPr lang="en-US" dirty="0" smtClean="0"/>
-              <a:t>Improving result is trial-and-error</a:t>
-            </a:r>
-          </a:p>
-          <a:p>
-            <a:pPr lvl="1"/>
-            <a:r>
-              <a:rPr lang="en-US" dirty="0" smtClean="0"/>
-              <a:t>Effective feature selection is difficult</a:t>
+              <a:rPr lang="en-US" dirty="0"/>
+              <a:t>Conclusion</a:t>
+            </a:r>
+          </a:p>
+        </p:txBody>
+      </p:sp>
+      <p:sp>
+        <p:nvSpPr>
+          <p:cNvPr id="3" name="Text Placeholder 2"/>
+          <p:cNvSpPr>
+            <a:spLocks noGrp="1"/>
+          </p:cNvSpPr>
+          <p:nvPr>
+            <p:ph type="body" idx="1"/>
+          </p:nvPr>
+        </p:nvSpPr>
+        <p:spPr/>
+        <p:txBody>
+          <a:bodyPr/>
+          <a:lstStyle/>
+          <a:p>
+            <a:r>
+              <a:rPr lang="en-US" dirty="0"/>
+              <a:t>Summing Up</a:t>
             </a:r>
           </a:p>
         </p:txBody>
@@ -4433,20 +5402,13 @@
     </p:spTree>
     <p:extLst>
       <p:ext uri="{BB962C8B-B14F-4D97-AF65-F5344CB8AC3E}">
-        <p14:creationId xmlns:p14="http://schemas.microsoft.com/office/powerpoint/2010/main" val="3259942215"/>
+        <p14:creationId xmlns:p14="http://schemas.microsoft.com/office/powerpoint/2010/main" val="3702978675"/>
       </p:ext>
     </p:extLst>
   </p:cSld>
   <p:clrMapOvr>
     <a:masterClrMapping/>
   </p:clrMapOvr>
-  <p:timing>
-    <p:tnLst>
-      <p:par>
-        <p:cTn id="1" dur="indefinite" restart="never" nodeType="tmRoot"/>
-      </p:par>
-    </p:tnLst>
-  </p:timing>
 </p:sld>
 </file>
 
@@ -4483,10 +5445,9 @@
           <a:lstStyle/>
           <a:p>
             <a:r>
-              <a:rPr lang="en-US" dirty="0" smtClean="0"/>
+              <a:rPr lang="en-US" dirty="0"/>
               <a:t>Roadmap</a:t>
             </a:r>
-            <a:endParaRPr lang="en-US" dirty="0"/>
           </a:p>
         </p:txBody>
       </p:sp>
@@ -4506,34 +5467,33 @@
           <a:lstStyle/>
           <a:p>
             <a:r>
-              <a:rPr lang="en-US" dirty="0" smtClean="0"/>
+              <a:rPr lang="en-US" dirty="0"/>
               <a:t>Introduction</a:t>
             </a:r>
           </a:p>
           <a:p>
             <a:r>
-              <a:rPr lang="en-US" dirty="0" smtClean="0"/>
+              <a:rPr lang="en-US" dirty="0"/>
               <a:t>Methodology</a:t>
             </a:r>
           </a:p>
           <a:p>
             <a:r>
-              <a:rPr lang="en-US" dirty="0" smtClean="0"/>
+              <a:rPr lang="en-US" dirty="0"/>
               <a:t>Data</a:t>
             </a:r>
           </a:p>
           <a:p>
             <a:r>
-              <a:rPr lang="en-US" dirty="0" smtClean="0"/>
+              <a:rPr lang="en-US" dirty="0"/>
               <a:t>Results</a:t>
             </a:r>
           </a:p>
           <a:p>
             <a:r>
-              <a:rPr lang="en-US" dirty="0" smtClean="0"/>
+              <a:rPr lang="en-US" dirty="0"/>
               <a:t>Conclusion</a:t>
             </a:r>
-            <a:endParaRPr lang="en-US" dirty="0"/>
           </a:p>
         </p:txBody>
       </p:sp>
@@ -4547,13 +5507,232 @@
   <p:clrMapOvr>
     <a:masterClrMapping/>
   </p:clrMapOvr>
-  <p:timing>
-    <p:tnLst>
-      <p:par>
-        <p:cTn id="1" dur="indefinite" restart="never" nodeType="tmRoot"/>
-      </p:par>
-    </p:tnLst>
-  </p:timing>
+</p:sld>
+</file>
+
+<file path=ppt/slides/slide20.xml><?xml version="1.0" encoding="utf-8"?>
+<p:sld xmlns:a="http://schemas.openxmlformats.org/drawingml/2006/main" xmlns:r="http://schemas.openxmlformats.org/officeDocument/2006/relationships" xmlns:p="http://schemas.openxmlformats.org/presentationml/2006/main">
+  <p:cSld>
+    <p:spTree>
+      <p:nvGrpSpPr>
+        <p:cNvPr id="1" name=""/>
+        <p:cNvGrpSpPr/>
+        <p:nvPr/>
+      </p:nvGrpSpPr>
+      <p:grpSpPr>
+        <a:xfrm>
+          <a:off x="0" y="0"/>
+          <a:ext cx="0" cy="0"/>
+          <a:chOff x="0" y="0"/>
+          <a:chExt cx="0" cy="0"/>
+        </a:xfrm>
+      </p:grpSpPr>
+      <p:sp>
+        <p:nvSpPr>
+          <p:cNvPr id="2" name="Title 1"/>
+          <p:cNvSpPr>
+            <a:spLocks noGrp="1"/>
+          </p:cNvSpPr>
+          <p:nvPr>
+            <p:ph type="title"/>
+          </p:nvPr>
+        </p:nvSpPr>
+        <p:spPr/>
+        <p:txBody>
+          <a:bodyPr/>
+          <a:lstStyle/>
+          <a:p>
+            <a:r>
+              <a:rPr lang="en-US" dirty="0"/>
+              <a:t>A Look Back</a:t>
+            </a:r>
+          </a:p>
+        </p:txBody>
+      </p:sp>
+      <p:sp>
+        <p:nvSpPr>
+          <p:cNvPr id="3" name="Content Placeholder 2"/>
+          <p:cNvSpPr>
+            <a:spLocks noGrp="1"/>
+          </p:cNvSpPr>
+          <p:nvPr>
+            <p:ph idx="1"/>
+          </p:nvPr>
+        </p:nvSpPr>
+        <p:spPr/>
+        <p:txBody>
+          <a:bodyPr/>
+          <a:lstStyle/>
+          <a:p>
+            <a:r>
+              <a:rPr lang="en-US" dirty="0"/>
+              <a:t>Attempt to analyze sentiment on tweets</a:t>
+            </a:r>
+          </a:p>
+          <a:p>
+            <a:r>
+              <a:rPr lang="en-US" dirty="0"/>
+              <a:t>Deep Neural Network</a:t>
+            </a:r>
+          </a:p>
+          <a:p>
+            <a:r>
+              <a:rPr lang="en-US" dirty="0"/>
+              <a:t>Regularization and Normalization</a:t>
+            </a:r>
+          </a:p>
+          <a:p>
+            <a:r>
+              <a:rPr lang="en-US" dirty="0"/>
+              <a:t>Feature selection and vectorization</a:t>
+            </a:r>
+          </a:p>
+          <a:p>
+            <a:r>
+              <a:rPr lang="en-US" dirty="0"/>
+              <a:t>Result analysis</a:t>
+            </a:r>
+          </a:p>
+          <a:p>
+            <a:endParaRPr lang="en-US" dirty="0"/>
+          </a:p>
+        </p:txBody>
+      </p:sp>
+    </p:spTree>
+    <p:extLst>
+      <p:ext uri="{BB962C8B-B14F-4D97-AF65-F5344CB8AC3E}">
+        <p14:creationId xmlns:p14="http://schemas.microsoft.com/office/powerpoint/2010/main" val="3336923833"/>
+      </p:ext>
+    </p:extLst>
+  </p:cSld>
+  <p:clrMapOvr>
+    <a:masterClrMapping/>
+  </p:clrMapOvr>
+</p:sld>
+</file>
+
+<file path=ppt/slides/slide21.xml><?xml version="1.0" encoding="utf-8"?>
+<p:sld xmlns:a="http://schemas.openxmlformats.org/drawingml/2006/main" xmlns:r="http://schemas.openxmlformats.org/officeDocument/2006/relationships" xmlns:p="http://schemas.openxmlformats.org/presentationml/2006/main">
+  <p:cSld>
+    <p:spTree>
+      <p:nvGrpSpPr>
+        <p:cNvPr id="1" name=""/>
+        <p:cNvGrpSpPr/>
+        <p:nvPr/>
+      </p:nvGrpSpPr>
+      <p:grpSpPr>
+        <a:xfrm>
+          <a:off x="0" y="0"/>
+          <a:ext cx="0" cy="0"/>
+          <a:chOff x="0" y="0"/>
+          <a:chExt cx="0" cy="0"/>
+        </a:xfrm>
+      </p:grpSpPr>
+      <p:sp>
+        <p:nvSpPr>
+          <p:cNvPr id="2" name="Title 1"/>
+          <p:cNvSpPr>
+            <a:spLocks noGrp="1"/>
+          </p:cNvSpPr>
+          <p:nvPr>
+            <p:ph type="title"/>
+          </p:nvPr>
+        </p:nvSpPr>
+        <p:spPr/>
+        <p:txBody>
+          <a:bodyPr/>
+          <a:lstStyle/>
+          <a:p>
+            <a:r>
+              <a:rPr lang="en-US" dirty="0"/>
+              <a:t>Strengths and Weaknesses</a:t>
+            </a:r>
+          </a:p>
+        </p:txBody>
+      </p:sp>
+      <p:sp>
+        <p:nvSpPr>
+          <p:cNvPr id="3" name="Content Placeholder 2"/>
+          <p:cNvSpPr>
+            <a:spLocks noGrp="1"/>
+          </p:cNvSpPr>
+          <p:nvPr>
+            <p:ph idx="1"/>
+          </p:nvPr>
+        </p:nvSpPr>
+        <p:spPr/>
+        <p:txBody>
+          <a:bodyPr/>
+          <a:lstStyle/>
+          <a:p>
+            <a:r>
+              <a:rPr lang="en-US" dirty="0"/>
+              <a:t>Strengths:</a:t>
+            </a:r>
+          </a:p>
+          <a:p>
+            <a:pPr lvl="1"/>
+            <a:r>
+              <a:rPr lang="en-US" dirty="0"/>
+              <a:t>Automatic extraction of complex features</a:t>
+            </a:r>
+          </a:p>
+          <a:p>
+            <a:pPr lvl="1"/>
+            <a:r>
+              <a:rPr lang="en-US" dirty="0"/>
+              <a:t>Plenty of parameters and optimization options</a:t>
+            </a:r>
+          </a:p>
+          <a:p>
+            <a:pPr lvl="1"/>
+            <a:r>
+              <a:rPr lang="en-US" dirty="0"/>
+              <a:t>Feature selection limited only by your imagination</a:t>
+            </a:r>
+          </a:p>
+          <a:p>
+            <a:endParaRPr lang="en-US" dirty="0"/>
+          </a:p>
+          <a:p>
+            <a:r>
+              <a:rPr lang="en-US" dirty="0"/>
+              <a:t>Weaknesses:</a:t>
+            </a:r>
+          </a:p>
+          <a:p>
+            <a:pPr lvl="1"/>
+            <a:r>
+              <a:rPr lang="en-US" dirty="0"/>
+              <a:t>Training is time-consuming</a:t>
+            </a:r>
+          </a:p>
+          <a:p>
+            <a:pPr lvl="1"/>
+            <a:r>
+              <a:rPr lang="en-US" dirty="0"/>
+              <a:t>Improving result is trial-and-error</a:t>
+            </a:r>
+          </a:p>
+          <a:p>
+            <a:pPr lvl="1"/>
+            <a:r>
+              <a:rPr lang="en-US" dirty="0"/>
+              <a:t>Effective feature selection is difficult</a:t>
+            </a:r>
+          </a:p>
+        </p:txBody>
+      </p:sp>
+    </p:spTree>
+    <p:extLst>
+      <p:ext uri="{BB962C8B-B14F-4D97-AF65-F5344CB8AC3E}">
+        <p14:creationId xmlns:p14="http://schemas.microsoft.com/office/powerpoint/2010/main" val="3259942215"/>
+      </p:ext>
+    </p:extLst>
+  </p:cSld>
+  <p:clrMapOvr>
+    <a:masterClrMapping/>
+  </p:clrMapOvr>
 </p:sld>
 </file>
 
@@ -4590,10 +5769,9 @@
           <a:lstStyle/>
           <a:p>
             <a:r>
-              <a:rPr lang="en-US" dirty="0" smtClean="0"/>
+              <a:rPr lang="en-US" dirty="0"/>
               <a:t>Introduction</a:t>
             </a:r>
-            <a:endParaRPr lang="en-US" dirty="0"/>
           </a:p>
         </p:txBody>
       </p:sp>
@@ -4613,26 +5791,9 @@
           <a:lstStyle/>
           <a:p>
             <a:r>
-              <a:rPr lang="en-US" dirty="0" smtClean="0"/>
-              <a:t>A Brief </a:t>
-            </a:r>
-            <a:r>
-              <a:rPr lang="en-US" dirty="0"/>
-              <a:t>C</a:t>
-            </a:r>
-            <a:r>
-              <a:rPr lang="en-US" dirty="0" smtClean="0"/>
-              <a:t>oncept </a:t>
-            </a:r>
-            <a:r>
-              <a:rPr lang="en-US" dirty="0"/>
-              <a:t>O</a:t>
-            </a:r>
-            <a:r>
-              <a:rPr lang="en-US" dirty="0" smtClean="0"/>
-              <a:t>verview</a:t>
-            </a:r>
-            <a:endParaRPr lang="en-US" dirty="0"/>
+              <a:rPr lang="en-US" dirty="0"/>
+              <a:t>A Brief Concept Overview</a:t>
+            </a:r>
           </a:p>
         </p:txBody>
       </p:sp>
@@ -4646,13 +5807,6 @@
   <p:clrMapOvr>
     <a:masterClrMapping/>
   </p:clrMapOvr>
-  <p:timing>
-    <p:tnLst>
-      <p:par>
-        <p:cTn id="1" dur="indefinite" restart="never" nodeType="tmRoot"/>
-      </p:par>
-    </p:tnLst>
-  </p:timing>
 </p:sld>
 </file>
 
@@ -4688,26 +5842,64 @@
           <a:bodyPr/>
           <a:lstStyle/>
           <a:p>
+            <a:r>
+              <a:rPr lang="en-US" dirty="0"/>
+              <a:t>Why Identify Sentiments</a:t>
+            </a:r>
+          </a:p>
+        </p:txBody>
+      </p:sp>
+      <p:sp>
+        <p:nvSpPr>
+          <p:cNvPr id="3" name="Content Placeholder 2"/>
+          <p:cNvSpPr>
+            <a:spLocks noGrp="1"/>
+          </p:cNvSpPr>
+          <p:nvPr>
+            <p:ph idx="1"/>
+          </p:nvPr>
+        </p:nvSpPr>
+        <p:spPr/>
+        <p:txBody>
+          <a:bodyPr>
+            <a:normAutofit/>
+          </a:bodyPr>
+          <a:lstStyle/>
+          <a:p>
+            <a:r>
+              <a:rPr lang="en-US" dirty="0"/>
+              <a:t>Extract Subjective Information</a:t>
+            </a:r>
+          </a:p>
+          <a:p>
+            <a:pPr marL="0" indent="0">
+              <a:buNone/>
+            </a:pPr>
             <a:endParaRPr lang="en-US" dirty="0"/>
           </a:p>
-        </p:txBody>
-      </p:sp>
-      <p:sp>
-        <p:nvSpPr>
-          <p:cNvPr id="3" name="Content Placeholder 2"/>
-          <p:cNvSpPr>
-            <a:spLocks noGrp="1"/>
-          </p:cNvSpPr>
-          <p:nvPr>
-            <p:ph idx="1"/>
-          </p:nvPr>
-        </p:nvSpPr>
-        <p:spPr/>
-        <p:txBody>
-          <a:bodyPr/>
-          <a:lstStyle/>
-          <a:p>
-            <a:endParaRPr lang="en-US"/>
+          <a:p>
+            <a:r>
+              <a:rPr lang="en-US" dirty="0"/>
+              <a:t>Is the text good, bad, or neutral</a:t>
+            </a:r>
+          </a:p>
+          <a:p>
+            <a:endParaRPr lang="en-US" dirty="0"/>
+          </a:p>
+          <a:p>
+            <a:r>
+              <a:rPr lang="en-US" dirty="0"/>
+              <a:t>The data was provided in a competition from semEval2017</a:t>
+            </a:r>
+          </a:p>
+          <a:p>
+            <a:endParaRPr lang="en-US" dirty="0"/>
+          </a:p>
+          <a:p>
+            <a:r>
+              <a:rPr lang="en-US" dirty="0"/>
+              <a:t>There were 48 participants, and 38 in English subtask A</a:t>
+            </a:r>
           </a:p>
         </p:txBody>
       </p:sp>
@@ -4721,13 +5913,6 @@
   <p:clrMapOvr>
     <a:masterClrMapping/>
   </p:clrMapOvr>
-  <p:timing>
-    <p:tnLst>
-      <p:par>
-        <p:cTn id="1" dur="indefinite" restart="never" nodeType="tmRoot"/>
-      </p:par>
-    </p:tnLst>
-  </p:timing>
 </p:sld>
 </file>
 
@@ -4764,10 +5949,9 @@
           <a:lstStyle/>
           <a:p>
             <a:r>
-              <a:rPr lang="en-US" dirty="0" smtClean="0"/>
+              <a:rPr lang="en-US" dirty="0"/>
               <a:t>Methodology</a:t>
             </a:r>
-            <a:endParaRPr lang="en-US" dirty="0"/>
           </a:p>
         </p:txBody>
       </p:sp>
@@ -4787,10 +5971,9 @@
           <a:lstStyle/>
           <a:p>
             <a:r>
-              <a:rPr lang="en-US" dirty="0" smtClean="0"/>
+              <a:rPr lang="en-US" dirty="0"/>
               <a:t>Our Tools of Choice</a:t>
             </a:r>
-            <a:endParaRPr lang="en-US" dirty="0"/>
           </a:p>
         </p:txBody>
       </p:sp>
@@ -4804,13 +5987,6 @@
   <p:clrMapOvr>
     <a:masterClrMapping/>
   </p:clrMapOvr>
-  <p:timing>
-    <p:tnLst>
-      <p:par>
-        <p:cTn id="1" dur="indefinite" restart="never" nodeType="tmRoot"/>
-      </p:par>
-    </p:tnLst>
-  </p:timing>
 </p:sld>
 </file>
 
@@ -4847,10 +6023,9 @@
           <a:lstStyle/>
           <a:p>
             <a:r>
-              <a:rPr lang="en-US" dirty="0" smtClean="0"/>
+              <a:rPr lang="en-US" dirty="0"/>
               <a:t>Deep Neural Network</a:t>
             </a:r>
-            <a:endParaRPr lang="en-US" dirty="0"/>
           </a:p>
         </p:txBody>
       </p:sp>
@@ -4870,7 +6045,7 @@
           <a:lstStyle/>
           <a:p>
             <a:r>
-              <a:rPr lang="en-US" dirty="0" smtClean="0"/>
+              <a:rPr lang="en-US" dirty="0"/>
               <a:t>Multi-layered neural network</a:t>
             </a:r>
           </a:p>
@@ -4878,11 +6053,11 @@
             <a:pPr marL="0" indent="0">
               <a:buNone/>
             </a:pPr>
-            <a:endParaRPr lang="en-US" dirty="0" smtClean="0"/>
-          </a:p>
-          <a:p>
-            <a:r>
-              <a:rPr lang="en-US" dirty="0" smtClean="0"/>
+            <a:endParaRPr lang="en-US" dirty="0"/>
+          </a:p>
+          <a:p>
+            <a:r>
+              <a:rPr lang="en-US" dirty="0"/>
               <a:t>Can determine non-linear </a:t>
             </a:r>
           </a:p>
@@ -4892,22 +6067,18 @@
             </a:pPr>
             <a:r>
               <a:rPr lang="en-US" dirty="0"/>
-              <a:t> </a:t>
-            </a:r>
-            <a:r>
-              <a:rPr lang="en-US" dirty="0" smtClean="0"/>
-              <a:t>  input/output relationship</a:t>
+              <a:t>   input/output relationship</a:t>
             </a:r>
           </a:p>
           <a:p>
             <a:pPr marL="0" indent="0">
               <a:buNone/>
             </a:pPr>
-            <a:endParaRPr lang="en-US" dirty="0" smtClean="0"/>
-          </a:p>
-          <a:p>
-            <a:r>
-              <a:rPr lang="en-US" dirty="0" smtClean="0"/>
+            <a:endParaRPr lang="en-US" dirty="0"/>
+          </a:p>
+          <a:p>
+            <a:r>
+              <a:rPr lang="en-US" dirty="0"/>
               <a:t>Automatically finds complex </a:t>
             </a:r>
           </a:p>
@@ -4917,11 +6088,7 @@
             </a:pPr>
             <a:r>
               <a:rPr lang="en-US" dirty="0"/>
-              <a:t> </a:t>
-            </a:r>
-            <a:r>
-              <a:rPr lang="en-US" dirty="0" smtClean="0"/>
-              <a:t> feature combinations</a:t>
+              <a:t>  feature combinations</a:t>
             </a:r>
           </a:p>
           <a:p>
@@ -4991,10 +6158,9 @@
           <a:lstStyle/>
           <a:p>
             <a:r>
-              <a:rPr lang="en-US" sz="1200" dirty="0" smtClean="0"/>
+              <a:rPr lang="en-US" sz="1200" dirty="0"/>
               <a:t>https://becominghuman.ai/deep-learning-made-easy-with-deep-cognition-403fbe445351</a:t>
             </a:r>
-            <a:endParaRPr lang="en-US" sz="1200" dirty="0"/>
           </a:p>
         </p:txBody>
       </p:sp>
@@ -5008,13 +6174,6 @@
   <p:clrMapOvr>
     <a:masterClrMapping/>
   </p:clrMapOvr>
-  <p:timing>
-    <p:tnLst>
-      <p:par>
-        <p:cTn id="1" dur="indefinite" restart="never" nodeType="tmRoot"/>
-      </p:par>
-    </p:tnLst>
-  </p:timing>
 </p:sld>
 </file>
 
@@ -5051,10 +6210,9 @@
           <a:lstStyle/>
           <a:p>
             <a:r>
-              <a:rPr lang="en-US" dirty="0" smtClean="0"/>
+              <a:rPr lang="en-US" dirty="0"/>
               <a:t>Closer Look at Layers</a:t>
             </a:r>
-            <a:endParaRPr lang="en-US" dirty="0"/>
           </a:p>
         </p:txBody>
       </p:sp>
@@ -5074,51 +6232,51 @@
           <a:lstStyle/>
           <a:p>
             <a:r>
-              <a:rPr lang="en-US" dirty="0" smtClean="0"/>
+              <a:rPr lang="en-US" dirty="0"/>
               <a:t>For each hidden layer:</a:t>
             </a:r>
           </a:p>
           <a:p>
             <a:pPr lvl="1"/>
             <a:r>
-              <a:rPr lang="en-US" dirty="0" smtClean="0"/>
+              <a:rPr lang="en-US" dirty="0"/>
               <a:t>Forward pass (y = </a:t>
             </a:r>
             <a:r>
-              <a:rPr lang="en-US" dirty="0" err="1" smtClean="0"/>
+              <a:rPr lang="en-US" dirty="0" err="1"/>
               <a:t>Wx</a:t>
             </a:r>
             <a:r>
-              <a:rPr lang="en-US" dirty="0" smtClean="0"/>
+              <a:rPr lang="en-US" dirty="0"/>
               <a:t> + b)</a:t>
             </a:r>
           </a:p>
           <a:p>
             <a:pPr lvl="1"/>
             <a:r>
-              <a:rPr lang="en-US" dirty="0" smtClean="0"/>
+              <a:rPr lang="en-US" dirty="0"/>
               <a:t>Dropout (optional)</a:t>
             </a:r>
           </a:p>
           <a:p>
             <a:pPr lvl="1"/>
             <a:r>
-              <a:rPr lang="en-US" dirty="0" smtClean="0"/>
+              <a:rPr lang="en-US" dirty="0"/>
               <a:t>Normalization (Instance, Layer, Batch)</a:t>
             </a:r>
           </a:p>
           <a:p>
             <a:pPr lvl="1"/>
             <a:r>
-              <a:rPr lang="en-US" dirty="0" smtClean="0"/>
+              <a:rPr lang="en-US" dirty="0"/>
               <a:t>Activation function (</a:t>
             </a:r>
             <a:r>
-              <a:rPr lang="en-US" dirty="0" err="1" smtClean="0"/>
+              <a:rPr lang="en-US" dirty="0" err="1"/>
               <a:t>ReLU</a:t>
             </a:r>
             <a:r>
-              <a:rPr lang="en-US" dirty="0" smtClean="0"/>
+              <a:rPr lang="en-US" dirty="0"/>
               <a:t>)</a:t>
             </a:r>
           </a:p>
@@ -5128,25 +6286,20 @@
           </a:p>
           <a:p>
             <a:r>
-              <a:rPr lang="en-US" dirty="0" smtClean="0"/>
+              <a:rPr lang="en-US" dirty="0"/>
               <a:t>Finally:</a:t>
             </a:r>
           </a:p>
           <a:p>
             <a:pPr lvl="1"/>
             <a:r>
-              <a:rPr lang="en-US" dirty="0" err="1" smtClean="0"/>
+              <a:rPr lang="en-US" dirty="0" err="1"/>
               <a:t>Softmax</a:t>
             </a:r>
             <a:r>
               <a:rPr lang="en-US" dirty="0"/>
-              <a:t> </a:t>
-            </a:r>
-            <a:r>
-              <a:rPr lang="en-US" dirty="0" smtClean="0"/>
-              <a:t>(loss)</a:t>
-            </a:r>
-            <a:endParaRPr lang="en-US" dirty="0"/>
+              <a:t> (loss)</a:t>
+            </a:r>
           </a:p>
         </p:txBody>
       </p:sp>
@@ -5160,13 +6313,6 @@
   <p:clrMapOvr>
     <a:masterClrMapping/>
   </p:clrMapOvr>
-  <p:timing>
-    <p:tnLst>
-      <p:par>
-        <p:cTn id="1" dur="indefinite" restart="never" nodeType="tmRoot"/>
-      </p:par>
-    </p:tnLst>
-  </p:timing>
 </p:sld>
 </file>
 
@@ -5203,10 +6349,9 @@
           <a:lstStyle/>
           <a:p>
             <a:r>
-              <a:rPr lang="en-US" dirty="0" smtClean="0"/>
+              <a:rPr lang="en-US" dirty="0"/>
               <a:t>Training</a:t>
             </a:r>
-            <a:endParaRPr lang="en-US" dirty="0"/>
           </a:p>
         </p:txBody>
       </p:sp>
@@ -5228,25 +6373,25 @@
           <a:lstStyle/>
           <a:p>
             <a:r>
-              <a:rPr lang="en-US" dirty="0" smtClean="0"/>
+              <a:rPr lang="en-US" dirty="0"/>
               <a:t>Weight matrices randomly initialized</a:t>
             </a:r>
           </a:p>
           <a:p>
             <a:r>
-              <a:rPr lang="en-US" dirty="0" smtClean="0"/>
+              <a:rPr lang="en-US" dirty="0"/>
               <a:t>Compute loss from result</a:t>
             </a:r>
           </a:p>
           <a:p>
             <a:r>
-              <a:rPr lang="en-US" dirty="0" smtClean="0"/>
+              <a:rPr lang="en-US" dirty="0"/>
               <a:t>Determine gradient of loss function</a:t>
             </a:r>
           </a:p>
           <a:p>
             <a:r>
-              <a:rPr lang="en-US" dirty="0" smtClean="0"/>
+              <a:rPr lang="en-US" dirty="0"/>
               <a:t>Repeatedly update weight matrices </a:t>
             </a:r>
           </a:p>
@@ -5256,46 +6401,41 @@
             </a:pPr>
             <a:r>
               <a:rPr lang="en-US" dirty="0"/>
-              <a:t> </a:t>
-            </a:r>
-            <a:r>
-              <a:rPr lang="en-US" dirty="0" smtClean="0"/>
-              <a:t>  to minimize loss</a:t>
-            </a:r>
-          </a:p>
-          <a:p>
-            <a:r>
-              <a:rPr lang="en-US" dirty="0" smtClean="0"/>
+              <a:t>   to minimize loss</a:t>
+            </a:r>
+          </a:p>
+          <a:p>
+            <a:r>
+              <a:rPr lang="en-US" dirty="0"/>
               <a:t>Stochastic Gradient Descent (SGD)</a:t>
             </a:r>
           </a:p>
           <a:p>
             <a:r>
-              <a:rPr lang="en-US" dirty="0" smtClean="0"/>
+              <a:rPr lang="en-US" dirty="0"/>
               <a:t>Adam</a:t>
             </a:r>
           </a:p>
           <a:p>
             <a:pPr lvl="1"/>
             <a:r>
-              <a:rPr lang="en-US" dirty="0" smtClean="0"/>
+              <a:rPr lang="en-US" dirty="0"/>
               <a:t>Optimized SGD</a:t>
             </a:r>
           </a:p>
           <a:p>
             <a:pPr lvl="1"/>
             <a:r>
-              <a:rPr lang="en-US" dirty="0" smtClean="0"/>
+              <a:rPr lang="en-US" dirty="0"/>
               <a:t>Momentum</a:t>
             </a:r>
           </a:p>
           <a:p>
             <a:pPr lvl="1"/>
             <a:r>
-              <a:rPr lang="en-US" dirty="0" smtClean="0"/>
+              <a:rPr lang="en-US" dirty="0"/>
               <a:t>Bias correction</a:t>
             </a:r>
-            <a:endParaRPr lang="en-US" dirty="0"/>
           </a:p>
         </p:txBody>
       </p:sp>
@@ -5362,10 +6502,9 @@
           <a:lstStyle/>
           <a:p>
             <a:r>
-              <a:rPr lang="en-US" sz="1100" dirty="0" smtClean="0"/>
+              <a:rPr lang="en-US" sz="1100" dirty="0"/>
               <a:t>http://dsdeepdive.blogspot.com/2016/03/optimizations-of-gradient-descent.html</a:t>
             </a:r>
-            <a:endParaRPr lang="en-US" sz="1100" dirty="0"/>
           </a:p>
         </p:txBody>
       </p:sp>
@@ -5379,13 +6518,6 @@
   <p:clrMapOvr>
     <a:masterClrMapping/>
   </p:clrMapOvr>
-  <p:timing>
-    <p:tnLst>
-      <p:par>
-        <p:cTn id="1" dur="indefinite" restart="never" nodeType="tmRoot"/>
-      </p:par>
-    </p:tnLst>
-  </p:timing>
 </p:sld>
 </file>
 
@@ -5422,10 +6554,9 @@
           <a:lstStyle/>
           <a:p>
             <a:r>
-              <a:rPr lang="en-US" dirty="0" smtClean="0"/>
+              <a:rPr lang="en-US" dirty="0"/>
               <a:t>Regularization</a:t>
             </a:r>
-            <a:endParaRPr lang="en-US" dirty="0"/>
           </a:p>
         </p:txBody>
       </p:sp>
@@ -5494,49 +6625,48 @@
           <a:lstStyle/>
           <a:p>
             <a:r>
-              <a:rPr lang="en-US" dirty="0" smtClean="0"/>
+              <a:rPr lang="en-US" dirty="0"/>
               <a:t>Keeps model from “overfitting”</a:t>
             </a:r>
           </a:p>
           <a:p>
-            <a:endParaRPr lang="en-US" dirty="0" smtClean="0"/>
-          </a:p>
-          <a:p>
-            <a:r>
-              <a:rPr lang="en-US" dirty="0" smtClean="0"/>
+            <a:endParaRPr lang="en-US" dirty="0"/>
+          </a:p>
+          <a:p>
+            <a:r>
+              <a:rPr lang="en-US" dirty="0"/>
               <a:t>L1, L2 regularization</a:t>
             </a:r>
           </a:p>
           <a:p>
-            <a:endParaRPr lang="en-US" dirty="0" smtClean="0"/>
-          </a:p>
-          <a:p>
-            <a:r>
-              <a:rPr lang="en-US" dirty="0" smtClean="0"/>
+            <a:endParaRPr lang="en-US" dirty="0"/>
+          </a:p>
+          <a:p>
+            <a:r>
+              <a:rPr lang="en-US" dirty="0"/>
               <a:t>More complex regularization types</a:t>
             </a:r>
           </a:p>
           <a:p>
             <a:pPr lvl="1"/>
             <a:r>
-              <a:rPr lang="en-US" dirty="0" smtClean="0"/>
+              <a:rPr lang="en-US" dirty="0"/>
               <a:t>Dropout</a:t>
             </a:r>
           </a:p>
           <a:p>
             <a:pPr lvl="1"/>
             <a:r>
-              <a:rPr lang="en-US" dirty="0" smtClean="0"/>
+              <a:rPr lang="en-US" dirty="0"/>
               <a:t>Batch/Layer normalization</a:t>
             </a:r>
           </a:p>
           <a:p>
             <a:pPr lvl="1"/>
             <a:r>
-              <a:rPr lang="en-US" dirty="0" smtClean="0"/>
+              <a:rPr lang="en-US" dirty="0"/>
               <a:t>Etc.</a:t>
             </a:r>
-            <a:endParaRPr lang="en-US" dirty="0"/>
           </a:p>
         </p:txBody>
       </p:sp>
@@ -5550,13 +6680,6 @@
   <p:clrMapOvr>
     <a:masterClrMapping/>
   </p:clrMapOvr>
-  <p:timing>
-    <p:tnLst>
-      <p:par>
-        <p:cTn id="1" dur="indefinite" restart="never" nodeType="tmRoot"/>
-      </p:par>
-    </p:tnLst>
-  </p:timing>
 </p:sld>
 </file>
 
@@ -5819,4 +6942,299 @@
     </a:ext>
   </a:extLst>
 </a:theme>
+</file>
+
+<file path=ppt/theme/theme2.xml><?xml version="1.0" encoding="utf-8"?>
+<a:theme xmlns:a="http://schemas.openxmlformats.org/drawingml/2006/main" name="Office Theme">
+  <a:themeElements>
+    <a:clrScheme name="Office">
+      <a:dk1>
+        <a:sysClr val="windowText" lastClr="000000"/>
+      </a:dk1>
+      <a:lt1>
+        <a:sysClr val="window" lastClr="FFFFFF"/>
+      </a:lt1>
+      <a:dk2>
+        <a:srgbClr val="44546A"/>
+      </a:dk2>
+      <a:lt2>
+        <a:srgbClr val="E7E6E6"/>
+      </a:lt2>
+      <a:accent1>
+        <a:srgbClr val="4472C4"/>
+      </a:accent1>
+      <a:accent2>
+        <a:srgbClr val="ED7D31"/>
+      </a:accent2>
+      <a:accent3>
+        <a:srgbClr val="A5A5A5"/>
+      </a:accent3>
+      <a:accent4>
+        <a:srgbClr val="FFC000"/>
+      </a:accent4>
+      <a:accent5>
+        <a:srgbClr val="5B9BD5"/>
+      </a:accent5>
+      <a:accent6>
+        <a:srgbClr val="70AD47"/>
+      </a:accent6>
+      <a:hlink>
+        <a:srgbClr val="0563C1"/>
+      </a:hlink>
+      <a:folHlink>
+        <a:srgbClr val="954F72"/>
+      </a:folHlink>
+    </a:clrScheme>
+    <a:fontScheme name="Office">
+      <a:majorFont>
+        <a:latin typeface="Calibri Light" panose="020F0302020204030204"/>
+        <a:ea typeface=""/>
+        <a:cs typeface=""/>
+        <a:font script="Jpan" typeface="游ゴシック Light"/>
+        <a:font script="Hang" typeface="맑은 고딕"/>
+        <a:font script="Hans" typeface="等线 Light"/>
+        <a:font script="Hant" typeface="新細明體"/>
+        <a:font script="Arab" typeface="Times New Roman"/>
+        <a:font script="Hebr" typeface="Times New Roman"/>
+        <a:font script="Thai" typeface="Angsana New"/>
+        <a:font script="Ethi" typeface="Nyala"/>
+        <a:font script="Beng" typeface="Vrinda"/>
+        <a:font script="Gujr" typeface="Shruti"/>
+        <a:font script="Khmr" typeface="MoolBoran"/>
+        <a:font script="Knda" typeface="Tunga"/>
+        <a:font script="Guru" typeface="Raavi"/>
+        <a:font script="Cans" typeface="Euphemia"/>
+        <a:font script="Cher" typeface="Plantagenet Cherokee"/>
+        <a:font script="Yiii" typeface="Microsoft Yi Baiti"/>
+        <a:font script="Tibt" typeface="Microsoft Himalaya"/>
+        <a:font script="Thaa" typeface="MV Boli"/>
+        <a:font script="Deva" typeface="Mangal"/>
+        <a:font script="Telu" typeface="Gautami"/>
+        <a:font script="Taml" typeface="Latha"/>
+        <a:font script="Syrc" typeface="Estrangelo Edessa"/>
+        <a:font script="Orya" typeface="Kalinga"/>
+        <a:font script="Mlym" typeface="Kartika"/>
+        <a:font script="Laoo" typeface="DokChampa"/>
+        <a:font script="Sinh" typeface="Iskoola Pota"/>
+        <a:font script="Mong" typeface="Mongolian Baiti"/>
+        <a:font script="Viet" typeface="Times New Roman"/>
+        <a:font script="Uigh" typeface="Microsoft Uighur"/>
+        <a:font script="Geor" typeface="Sylfaen"/>
+        <a:font script="Armn" typeface="Arial"/>
+        <a:font script="Bugi" typeface="Leelawadee UI"/>
+        <a:font script="Bopo" typeface="Microsoft JhengHei"/>
+        <a:font script="Java" typeface="Javanese Text"/>
+        <a:font script="Lisu" typeface="Segoe UI"/>
+        <a:font script="Mymr" typeface="Myanmar Text"/>
+        <a:font script="Nkoo" typeface="Ebrima"/>
+        <a:font script="Olck" typeface="Nirmala UI"/>
+        <a:font script="Osma" typeface="Ebrima"/>
+        <a:font script="Phag" typeface="Phagspa"/>
+        <a:font script="Syrn" typeface="Estrangelo Edessa"/>
+        <a:font script="Syrj" typeface="Estrangelo Edessa"/>
+        <a:font script="Syre" typeface="Estrangelo Edessa"/>
+        <a:font script="Sora" typeface="Nirmala UI"/>
+        <a:font script="Tale" typeface="Microsoft Tai Le"/>
+        <a:font script="Talu" typeface="Microsoft New Tai Lue"/>
+        <a:font script="Tfng" typeface="Ebrima"/>
+      </a:majorFont>
+      <a:minorFont>
+        <a:latin typeface="Calibri" panose="020F0502020204030204"/>
+        <a:ea typeface=""/>
+        <a:cs typeface=""/>
+        <a:font script="Jpan" typeface="游ゴシック"/>
+        <a:font script="Hang" typeface="맑은 고딕"/>
+        <a:font script="Hans" typeface="等线"/>
+        <a:font script="Hant" typeface="新細明體"/>
+        <a:font script="Arab" typeface="Arial"/>
+        <a:font script="Hebr" typeface="Arial"/>
+        <a:font script="Thai" typeface="Cordia New"/>
+        <a:font script="Ethi" typeface="Nyala"/>
+        <a:font script="Beng" typeface="Vrinda"/>
+        <a:font script="Gujr" typeface="Shruti"/>
+        <a:font script="Khmr" typeface="DaunPenh"/>
+        <a:font script="Knda" typeface="Tunga"/>
+        <a:font script="Guru" typeface="Raavi"/>
+        <a:font script="Cans" typeface="Euphemia"/>
+        <a:font script="Cher" typeface="Plantagenet Cherokee"/>
+        <a:font script="Yiii" typeface="Microsoft Yi Baiti"/>
+        <a:font script="Tibt" typeface="Microsoft Himalaya"/>
+        <a:font script="Thaa" typeface="MV Boli"/>
+        <a:font script="Deva" typeface="Mangal"/>
+        <a:font script="Telu" typeface="Gautami"/>
+        <a:font script="Taml" typeface="Latha"/>
+        <a:font script="Syrc" typeface="Estrangelo Edessa"/>
+        <a:font script="Orya" typeface="Kalinga"/>
+        <a:font script="Mlym" typeface="Kartika"/>
+        <a:font script="Laoo" typeface="DokChampa"/>
+        <a:font script="Sinh" typeface="Iskoola Pota"/>
+        <a:font script="Mong" typeface="Mongolian Baiti"/>
+        <a:font script="Viet" typeface="Arial"/>
+        <a:font script="Uigh" typeface="Microsoft Uighur"/>
+        <a:font script="Geor" typeface="Sylfaen"/>
+        <a:font script="Armn" typeface="Arial"/>
+        <a:font script="Bugi" typeface="Leelawadee UI"/>
+        <a:font script="Bopo" typeface="Microsoft JhengHei"/>
+        <a:font script="Java" typeface="Javanese Text"/>
+        <a:font script="Lisu" typeface="Segoe UI"/>
+        <a:font script="Mymr" typeface="Myanmar Text"/>
+        <a:font script="Nkoo" typeface="Ebrima"/>
+        <a:font script="Olck" typeface="Nirmala UI"/>
+        <a:font script="Osma" typeface="Ebrima"/>
+        <a:font script="Phag" typeface="Phagspa"/>
+        <a:font script="Syrn" typeface="Estrangelo Edessa"/>
+        <a:font script="Syrj" typeface="Estrangelo Edessa"/>
+        <a:font script="Syre" typeface="Estrangelo Edessa"/>
+        <a:font script="Sora" typeface="Nirmala UI"/>
+        <a:font script="Tale" typeface="Microsoft Tai Le"/>
+        <a:font script="Talu" typeface="Microsoft New Tai Lue"/>
+        <a:font script="Tfng" typeface="Ebrima"/>
+      </a:minorFont>
+    </a:fontScheme>
+    <a:fmtScheme name="Office">
+      <a:fillStyleLst>
+        <a:solidFill>
+          <a:schemeClr val="phClr"/>
+        </a:solidFill>
+        <a:gradFill rotWithShape="1">
+          <a:gsLst>
+            <a:gs pos="0">
+              <a:schemeClr val="phClr">
+                <a:lumMod val="110000"/>
+                <a:satMod val="105000"/>
+                <a:tint val="67000"/>
+              </a:schemeClr>
+            </a:gs>
+            <a:gs pos="50000">
+              <a:schemeClr val="phClr">
+                <a:lumMod val="105000"/>
+                <a:satMod val="103000"/>
+                <a:tint val="73000"/>
+              </a:schemeClr>
+            </a:gs>
+            <a:gs pos="100000">
+              <a:schemeClr val="phClr">
+                <a:lumMod val="105000"/>
+                <a:satMod val="109000"/>
+                <a:tint val="81000"/>
+              </a:schemeClr>
+            </a:gs>
+          </a:gsLst>
+          <a:lin ang="5400000" scaled="0"/>
+        </a:gradFill>
+        <a:gradFill rotWithShape="1">
+          <a:gsLst>
+            <a:gs pos="0">
+              <a:schemeClr val="phClr">
+                <a:satMod val="103000"/>
+                <a:lumMod val="102000"/>
+                <a:tint val="94000"/>
+              </a:schemeClr>
+            </a:gs>
+            <a:gs pos="50000">
+              <a:schemeClr val="phClr">
+                <a:satMod val="110000"/>
+                <a:lumMod val="100000"/>
+                <a:shade val="100000"/>
+              </a:schemeClr>
+            </a:gs>
+            <a:gs pos="100000">
+              <a:schemeClr val="phClr">
+                <a:lumMod val="99000"/>
+                <a:satMod val="120000"/>
+                <a:shade val="78000"/>
+              </a:schemeClr>
+            </a:gs>
+          </a:gsLst>
+          <a:lin ang="5400000" scaled="0"/>
+        </a:gradFill>
+      </a:fillStyleLst>
+      <a:lnStyleLst>
+        <a:ln w="6350" cap="flat" cmpd="sng" algn="ctr">
+          <a:solidFill>
+            <a:schemeClr val="phClr"/>
+          </a:solidFill>
+          <a:prstDash val="solid"/>
+          <a:miter lim="800000"/>
+        </a:ln>
+        <a:ln w="12700" cap="flat" cmpd="sng" algn="ctr">
+          <a:solidFill>
+            <a:schemeClr val="phClr"/>
+          </a:solidFill>
+          <a:prstDash val="solid"/>
+          <a:miter lim="800000"/>
+        </a:ln>
+        <a:ln w="19050" cap="flat" cmpd="sng" algn="ctr">
+          <a:solidFill>
+            <a:schemeClr val="phClr"/>
+          </a:solidFill>
+          <a:prstDash val="solid"/>
+          <a:miter lim="800000"/>
+        </a:ln>
+      </a:lnStyleLst>
+      <a:effectStyleLst>
+        <a:effectStyle>
+          <a:effectLst/>
+        </a:effectStyle>
+        <a:effectStyle>
+          <a:effectLst/>
+        </a:effectStyle>
+        <a:effectStyle>
+          <a:effectLst>
+            <a:outerShdw blurRad="57150" dist="19050" dir="5400000" algn="ctr" rotWithShape="0">
+              <a:srgbClr val="000000">
+                <a:alpha val="63000"/>
+              </a:srgbClr>
+            </a:outerShdw>
+          </a:effectLst>
+        </a:effectStyle>
+      </a:effectStyleLst>
+      <a:bgFillStyleLst>
+        <a:solidFill>
+          <a:schemeClr val="phClr"/>
+        </a:solidFill>
+        <a:solidFill>
+          <a:schemeClr val="phClr">
+            <a:tint val="95000"/>
+            <a:satMod val="170000"/>
+          </a:schemeClr>
+        </a:solidFill>
+        <a:gradFill rotWithShape="1">
+          <a:gsLst>
+            <a:gs pos="0">
+              <a:schemeClr val="phClr">
+                <a:tint val="93000"/>
+                <a:satMod val="150000"/>
+                <a:shade val="98000"/>
+                <a:lumMod val="102000"/>
+              </a:schemeClr>
+            </a:gs>
+            <a:gs pos="50000">
+              <a:schemeClr val="phClr">
+                <a:tint val="98000"/>
+                <a:satMod val="130000"/>
+                <a:shade val="90000"/>
+                <a:lumMod val="103000"/>
+              </a:schemeClr>
+            </a:gs>
+            <a:gs pos="100000">
+              <a:schemeClr val="phClr">
+                <a:shade val="63000"/>
+                <a:satMod val="120000"/>
+              </a:schemeClr>
+            </a:gs>
+          </a:gsLst>
+          <a:lin ang="5400000" scaled="0"/>
+        </a:gradFill>
+      </a:bgFillStyleLst>
+    </a:fmtScheme>
+  </a:themeElements>
+  <a:objectDefaults/>
+  <a:extraClrSchemeLst/>
+  <a:extLst>
+    <a:ext uri="{05A4C25C-085E-4340-85A3-A5531E510DB2}">
+      <thm15:themeFamily xmlns:thm15="http://schemas.microsoft.com/office/thememl/2012/main" name="Office Theme" id="{62F939B6-93AF-4DB8-9C6B-D6C7DFDC589F}" vid="{4A3C46E8-61CC-4603-A589-7422A47A8E4A}"/>
+    </a:ext>
+  </a:extLst>
+</a:theme>
 </file>
--- a/presentation/Sentiment Analysis Using a Deep Neural Network.pptx
+++ b/presentation/Sentiment Analysis Using a Deep Neural Network.pptx
@@ -3461,21 +3461,22 @@
           <a:lstStyle/>
           <a:p>
             <a:r>
-              <a:rPr lang="en-US" dirty="0" err="1"/>
+              <a:rPr lang="en-US" dirty="0" smtClean="0"/>
+              <a:t>Stephen Frees, </a:t>
+            </a:r>
+            <a:r>
+              <a:rPr lang="en-US" dirty="0" err="1" smtClean="0"/>
               <a:t>Ramiz</a:t>
             </a:r>
             <a:r>
-              <a:rPr lang="en-US" dirty="0"/>
+              <a:rPr lang="en-US" dirty="0" smtClean="0"/>
               <a:t> </a:t>
             </a:r>
             <a:r>
-              <a:rPr lang="en-US" dirty="0" err="1"/>
+              <a:rPr lang="en-US" dirty="0" err="1" smtClean="0"/>
               <a:t>Midani</a:t>
             </a:r>
-            <a:r>
-              <a:rPr lang="en-US" dirty="0"/>
-              <a:t>, Stephen Frees</a:t>
-            </a:r>
+            <a:endParaRPr lang="en-US" dirty="0"/>
           </a:p>
         </p:txBody>
       </p:sp>
@@ -3489,6 +3490,13 @@
   <p:clrMapOvr>
     <a:masterClrMapping/>
   </p:clrMapOvr>
+  <p:timing>
+    <p:tnLst>
+      <p:par>
+        <p:cTn id="1" dur="indefinite" restart="never" nodeType="tmRoot"/>
+      </p:par>
+    </p:tnLst>
+  </p:timing>
 </p:sld>
 </file>
 
@@ -3577,13 +3585,42 @@
             <a:pPr lvl="1"/>
             <a:r>
               <a:rPr lang="en-US" dirty="0"/>
-              <a:t>Regularization coefficient	2e-3</a:t>
-            </a:r>
+              <a:t>Regularization coefficient	</a:t>
+            </a:r>
+            <a:r>
+              <a:rPr lang="en-US" dirty="0" smtClean="0"/>
+              <a:t>2e-3</a:t>
+            </a:r>
+            <a:endParaRPr lang="en-US" dirty="0"/>
           </a:p>
           <a:p>
             <a:pPr lvl="1"/>
             <a:r>
               <a:rPr lang="en-US" dirty="0"/>
+              <a:t>Learning rate			</a:t>
+            </a:r>
+            <a:r>
+              <a:rPr lang="en-US" dirty="0" smtClean="0"/>
+              <a:t>3e-5</a:t>
+            </a:r>
+            <a:endParaRPr lang="en-US" dirty="0"/>
+          </a:p>
+          <a:p>
+            <a:pPr lvl="1"/>
+            <a:r>
+              <a:rPr lang="en-US" dirty="0"/>
+              <a:t>Gradient descent algorithm	</a:t>
+            </a:r>
+            <a:r>
+              <a:rPr lang="en-US" dirty="0" smtClean="0"/>
+              <a:t>Adam</a:t>
+            </a:r>
+            <a:endParaRPr lang="en-US" dirty="0"/>
+          </a:p>
+          <a:p>
+            <a:pPr lvl="1"/>
+            <a:r>
+              <a:rPr lang="en-US" dirty="0"/>
               <a:t>Dropout				No</a:t>
             </a:r>
           </a:p>
@@ -3591,36 +3628,40 @@
             <a:pPr lvl="1"/>
             <a:r>
               <a:rPr lang="en-US" dirty="0"/>
-              <a:t>Normalization			Batch</a:t>
+              <a:t>Normalization			</a:t>
+            </a:r>
+            <a:r>
+              <a:rPr lang="en-US" dirty="0"/>
+              <a:t>Batch</a:t>
             </a:r>
           </a:p>
           <a:p>
             <a:pPr lvl="1"/>
             <a:r>
               <a:rPr lang="en-US" dirty="0"/>
-              <a:t>Batch size			3000</a:t>
-            </a:r>
+              <a:t>Training time			</a:t>
+            </a:r>
+            <a:r>
+              <a:rPr lang="en-US"/>
+              <a:t>8 </a:t>
+            </a:r>
+            <a:r>
+              <a:rPr lang="en-US" smtClean="0"/>
+              <a:t>epochs</a:t>
+            </a:r>
+            <a:endParaRPr lang="en-US" dirty="0"/>
           </a:p>
           <a:p>
             <a:pPr lvl="1"/>
             <a:r>
               <a:rPr lang="en-US" dirty="0"/>
-              <a:t>Training time			8 epochs</a:t>
-            </a:r>
-          </a:p>
-          <a:p>
-            <a:pPr lvl="1"/>
-            <a:r>
-              <a:rPr lang="en-US" dirty="0"/>
-              <a:t>Gradient descent algorithm	Adam</a:t>
-            </a:r>
-          </a:p>
-          <a:p>
-            <a:pPr lvl="1"/>
-            <a:r>
-              <a:rPr lang="en-US" dirty="0"/>
-              <a:t>Learning rate			3e-5</a:t>
-            </a:r>
+              <a:t>Batch size			</a:t>
+            </a:r>
+            <a:r>
+              <a:rPr lang="en-US" dirty="0" smtClean="0"/>
+              <a:t>3000</a:t>
+            </a:r>
+            <a:endParaRPr lang="en-US" dirty="0"/>
           </a:p>
         </p:txBody>
       </p:sp>
@@ -3634,6 +3675,13 @@
   <p:clrMapOvr>
     <a:masterClrMapping/>
   </p:clrMapOvr>
+  <p:timing>
+    <p:tnLst>
+      <p:par>
+        <p:cTn id="1" dur="indefinite" restart="never" nodeType="tmRoot"/>
+      </p:par>
+    </p:tnLst>
+  </p:timing>
 </p:sld>
 </file>
 
@@ -3708,6 +3756,13 @@
   <p:clrMapOvr>
     <a:masterClrMapping/>
   </p:clrMapOvr>
+  <p:timing>
+    <p:tnLst>
+      <p:par>
+        <p:cTn id="1" dur="indefinite" restart="never" nodeType="tmRoot"/>
+      </p:par>
+    </p:tnLst>
+  </p:timing>
 </p:sld>
 </file>
 
@@ -4059,6 +4114,13 @@
   <p:clrMapOvr>
     <a:masterClrMapping/>
   </p:clrMapOvr>
+  <p:timing>
+    <p:tnLst>
+      <p:par>
+        <p:cTn id="1" dur="indefinite" restart="never" nodeType="tmRoot"/>
+      </p:par>
+    </p:tnLst>
+  </p:timing>
 </p:sld>
 </file>
 
@@ -4229,6 +4291,13 @@
   <p:clrMapOvr>
     <a:masterClrMapping/>
   </p:clrMapOvr>
+  <p:timing>
+    <p:tnLst>
+      <p:par>
+        <p:cTn id="1" dur="indefinite" restart="never" nodeType="tmRoot"/>
+      </p:par>
+    </p:tnLst>
+  </p:timing>
 </p:sld>
 </file>
 
@@ -4524,6 +4593,13 @@
   <p:clrMapOvr>
     <a:masterClrMapping/>
   </p:clrMapOvr>
+  <p:timing>
+    <p:tnLst>
+      <p:par>
+        <p:cTn id="1" dur="indefinite" restart="never" nodeType="tmRoot"/>
+      </p:par>
+    </p:tnLst>
+  </p:timing>
 </p:sld>
 </file>
 
@@ -4598,6 +4674,13 @@
   <p:clrMapOvr>
     <a:masterClrMapping/>
   </p:clrMapOvr>
+  <p:timing>
+    <p:tnLst>
+      <p:par>
+        <p:cTn id="1" dur="indefinite" restart="never" nodeType="tmRoot"/>
+      </p:par>
+    </p:tnLst>
+  </p:timing>
 </p:sld>
 </file>
 
@@ -4725,6 +4808,13 @@
   <p:clrMapOvr>
     <a:masterClrMapping/>
   </p:clrMapOvr>
+  <p:timing>
+    <p:tnLst>
+      <p:par>
+        <p:cTn id="1" dur="indefinite" restart="never" nodeType="tmRoot"/>
+      </p:par>
+    </p:tnLst>
+  </p:timing>
 </p:sld>
 </file>
 
@@ -5184,6 +5274,13 @@
   <p:clrMapOvr>
     <a:masterClrMapping/>
   </p:clrMapOvr>
+  <p:timing>
+    <p:tnLst>
+      <p:par>
+        <p:cTn id="1" dur="indefinite" restart="never" nodeType="tmRoot"/>
+      </p:par>
+    </p:tnLst>
+  </p:timing>
 </p:sld>
 </file>
 
@@ -5335,6 +5432,13 @@
   <p:clrMapOvr>
     <a:masterClrMapping/>
   </p:clrMapOvr>
+  <p:timing>
+    <p:tnLst>
+      <p:par>
+        <p:cTn id="1" dur="indefinite" restart="never" nodeType="tmRoot"/>
+      </p:par>
+    </p:tnLst>
+  </p:timing>
 </p:sld>
 </file>
 
@@ -5409,6 +5513,13 @@
   <p:clrMapOvr>
     <a:masterClrMapping/>
   </p:clrMapOvr>
+  <p:timing>
+    <p:tnLst>
+      <p:par>
+        <p:cTn id="1" dur="indefinite" restart="never" nodeType="tmRoot"/>
+      </p:par>
+    </p:tnLst>
+  </p:timing>
 </p:sld>
 </file>
 
@@ -5507,6 +5618,13 @@
   <p:clrMapOvr>
     <a:masterClrMapping/>
   </p:clrMapOvr>
+  <p:timing>
+    <p:tnLst>
+      <p:par>
+        <p:cTn id="1" dur="indefinite" restart="never" nodeType="tmRoot"/>
+      </p:par>
+    </p:tnLst>
+  </p:timing>
 </p:sld>
 </file>
 
@@ -5608,6 +5726,13 @@
   <p:clrMapOvr>
     <a:masterClrMapping/>
   </p:clrMapOvr>
+  <p:timing>
+    <p:tnLst>
+      <p:par>
+        <p:cTn id="1" dur="indefinite" restart="never" nodeType="tmRoot"/>
+      </p:par>
+    </p:tnLst>
+  </p:timing>
 </p:sld>
 </file>
 
@@ -5733,6 +5858,13 @@
   <p:clrMapOvr>
     <a:masterClrMapping/>
   </p:clrMapOvr>
+  <p:timing>
+    <p:tnLst>
+      <p:par>
+        <p:cTn id="1" dur="indefinite" restart="never" nodeType="tmRoot"/>
+      </p:par>
+    </p:tnLst>
+  </p:timing>
 </p:sld>
 </file>
 
@@ -5807,6 +5939,13 @@
   <p:clrMapOvr>
     <a:masterClrMapping/>
   </p:clrMapOvr>
+  <p:timing>
+    <p:tnLst>
+      <p:par>
+        <p:cTn id="1" dur="indefinite" restart="never" nodeType="tmRoot"/>
+      </p:par>
+    </p:tnLst>
+  </p:timing>
 </p:sld>
 </file>
 
@@ -5913,6 +6052,13 @@
   <p:clrMapOvr>
     <a:masterClrMapping/>
   </p:clrMapOvr>
+  <p:timing>
+    <p:tnLst>
+      <p:par>
+        <p:cTn id="1" dur="indefinite" restart="never" nodeType="tmRoot"/>
+      </p:par>
+    </p:tnLst>
+  </p:timing>
 </p:sld>
 </file>
 
@@ -5987,6 +6133,13 @@
   <p:clrMapOvr>
     <a:masterClrMapping/>
   </p:clrMapOvr>
+  <p:timing>
+    <p:tnLst>
+      <p:par>
+        <p:cTn id="1" dur="indefinite" restart="never" nodeType="tmRoot"/>
+      </p:par>
+    </p:tnLst>
+  </p:timing>
 </p:sld>
 </file>
 
@@ -6174,6 +6327,13 @@
   <p:clrMapOvr>
     <a:masterClrMapping/>
   </p:clrMapOvr>
+  <p:timing>
+    <p:tnLst>
+      <p:par>
+        <p:cTn id="1" dur="indefinite" restart="never" nodeType="tmRoot"/>
+      </p:par>
+    </p:tnLst>
+  </p:timing>
 </p:sld>
 </file>
 
@@ -6313,6 +6473,13 @@
   <p:clrMapOvr>
     <a:masterClrMapping/>
   </p:clrMapOvr>
+  <p:timing>
+    <p:tnLst>
+      <p:par>
+        <p:cTn id="1" dur="indefinite" restart="never" nodeType="tmRoot"/>
+      </p:par>
+    </p:tnLst>
+  </p:timing>
 </p:sld>
 </file>
 
@@ -6518,6 +6685,13 @@
   <p:clrMapOvr>
     <a:masterClrMapping/>
   </p:clrMapOvr>
+  <p:timing>
+    <p:tnLst>
+      <p:par>
+        <p:cTn id="1" dur="indefinite" restart="never" nodeType="tmRoot"/>
+      </p:par>
+    </p:tnLst>
+  </p:timing>
 </p:sld>
 </file>
 
@@ -6680,6 +6854,13 @@
   <p:clrMapOvr>
     <a:masterClrMapping/>
   </p:clrMapOvr>
+  <p:timing>
+    <p:tnLst>
+      <p:par>
+        <p:cTn id="1" dur="indefinite" restart="never" nodeType="tmRoot"/>
+      </p:par>
+    </p:tnLst>
+  </p:timing>
 </p:sld>
 </file>
 

--- a/presentation/Sentiment Analysis Using a Deep Neural Network.pptx
+++ b/presentation/Sentiment Analysis Using a Deep Neural Network.pptx
@@ -529,6 +529,106 @@
           <a:lstStyle/>
           <a:p>
             <a:r>
+              <a:rPr lang="en-US" dirty="0" smtClean="0"/>
+              <a:t>The problem we are trying to solve is to rate social media, like twitter based on sentiments.</a:t>
+            </a:r>
+          </a:p>
+          <a:p>
+            <a:r>
+              <a:rPr lang="en-US" dirty="0" smtClean="0"/>
+              <a:t>Data that would come out as angry or sad would be rated as negative.</a:t>
+            </a:r>
+            <a:r>
+              <a:rPr lang="en-US" baseline="0" dirty="0" smtClean="0"/>
+              <a:t>   (excitement, laugh &gt;&gt; positive)</a:t>
+            </a:r>
+          </a:p>
+          <a:p>
+            <a:endParaRPr lang="en-US" dirty="0" smtClean="0"/>
+          </a:p>
+        </p:txBody>
+      </p:sp>
+      <p:sp>
+        <p:nvSpPr>
+          <p:cNvPr id="4" name="Slide Number Placeholder 3"/>
+          <p:cNvSpPr>
+            <a:spLocks noGrp="1"/>
+          </p:cNvSpPr>
+          <p:nvPr>
+            <p:ph type="sldNum" sz="quarter" idx="10"/>
+          </p:nvPr>
+        </p:nvSpPr>
+        <p:spPr/>
+        <p:txBody>
+          <a:bodyPr/>
+          <a:lstStyle/>
+          <a:p>
+            <a:fld id="{C341CAAC-71A7-4364-B361-21D8DE523C08}" type="slidenum">
+              <a:rPr lang="en-US" smtClean="0"/>
+              <a:t>4</a:t>
+            </a:fld>
+            <a:endParaRPr lang="en-US"/>
+          </a:p>
+        </p:txBody>
+      </p:sp>
+    </p:spTree>
+    <p:extLst>
+      <p:ext uri="{BB962C8B-B14F-4D97-AF65-F5344CB8AC3E}">
+        <p14:creationId xmlns:p14="http://schemas.microsoft.com/office/powerpoint/2010/main" val="641326782"/>
+      </p:ext>
+    </p:extLst>
+  </p:cSld>
+  <p:clrMapOvr>
+    <a:masterClrMapping/>
+  </p:clrMapOvr>
+</p:notes>
+</file>
+
+<file path=ppt/notesSlides/notesSlide2.xml><?xml version="1.0" encoding="utf-8"?>
+<p:notes xmlns:a="http://schemas.openxmlformats.org/drawingml/2006/main" xmlns:r="http://schemas.openxmlformats.org/officeDocument/2006/relationships" xmlns:p="http://schemas.openxmlformats.org/presentationml/2006/main">
+  <p:cSld>
+    <p:spTree>
+      <p:nvGrpSpPr>
+        <p:cNvPr id="1" name=""/>
+        <p:cNvGrpSpPr/>
+        <p:nvPr/>
+      </p:nvGrpSpPr>
+      <p:grpSpPr>
+        <a:xfrm>
+          <a:off x="0" y="0"/>
+          <a:ext cx="0" cy="0"/>
+          <a:chOff x="0" y="0"/>
+          <a:chExt cx="0" cy="0"/>
+        </a:xfrm>
+      </p:grpSpPr>
+      <p:sp>
+        <p:nvSpPr>
+          <p:cNvPr id="2" name="Slide Image Placeholder 1"/>
+          <p:cNvSpPr>
+            <a:spLocks noGrp="1" noRot="1" noChangeAspect="1"/>
+          </p:cNvSpPr>
+          <p:nvPr>
+            <p:ph type="sldImg"/>
+          </p:nvPr>
+        </p:nvSpPr>
+        <p:spPr/>
+      </p:sp>
+      <p:sp>
+        <p:nvSpPr>
+          <p:cNvPr id="3" name="Notes Placeholder 2"/>
+          <p:cNvSpPr>
+            <a:spLocks noGrp="1"/>
+          </p:cNvSpPr>
+          <p:nvPr>
+            <p:ph type="body" idx="1"/>
+          </p:nvPr>
+        </p:nvSpPr>
+        <p:spPr/>
+        <p:txBody>
+          <a:bodyPr/>
+          <a:lstStyle/>
+          <a:p>
+            <a:r>
               <a:rPr lang="en-US" dirty="0" err="1"/>
               <a:t>DictVectorizer</a:t>
             </a:r>
@@ -576,6 +676,108 @@
     <p:extLst>
       <p:ext uri="{BB962C8B-B14F-4D97-AF65-F5344CB8AC3E}">
         <p14:creationId xmlns:p14="http://schemas.microsoft.com/office/powerpoint/2010/main" val="290789199"/>
+      </p:ext>
+    </p:extLst>
+  </p:cSld>
+  <p:clrMapOvr>
+    <a:masterClrMapping/>
+  </p:clrMapOvr>
+</p:notes>
+</file>
+
+<file path=ppt/notesSlides/notesSlide3.xml><?xml version="1.0" encoding="utf-8"?>
+<p:notes xmlns:a="http://schemas.openxmlformats.org/drawingml/2006/main" xmlns:r="http://schemas.openxmlformats.org/officeDocument/2006/relationships" xmlns:p="http://schemas.openxmlformats.org/presentationml/2006/main">
+  <p:cSld>
+    <p:spTree>
+      <p:nvGrpSpPr>
+        <p:cNvPr id="1" name=""/>
+        <p:cNvGrpSpPr/>
+        <p:nvPr/>
+      </p:nvGrpSpPr>
+      <p:grpSpPr>
+        <a:xfrm>
+          <a:off x="0" y="0"/>
+          <a:ext cx="0" cy="0"/>
+          <a:chOff x="0" y="0"/>
+          <a:chExt cx="0" cy="0"/>
+        </a:xfrm>
+      </p:grpSpPr>
+      <p:sp>
+        <p:nvSpPr>
+          <p:cNvPr id="2" name="Slide Image Placeholder 1"/>
+          <p:cNvSpPr>
+            <a:spLocks noGrp="1" noRot="1" noChangeAspect="1"/>
+          </p:cNvSpPr>
+          <p:nvPr>
+            <p:ph type="sldImg"/>
+          </p:nvPr>
+        </p:nvSpPr>
+        <p:spPr/>
+      </p:sp>
+      <p:sp>
+        <p:nvSpPr>
+          <p:cNvPr id="3" name="Notes Placeholder 2"/>
+          <p:cNvSpPr>
+            <a:spLocks noGrp="1"/>
+          </p:cNvSpPr>
+          <p:nvPr>
+            <p:ph type="body" idx="1"/>
+          </p:nvPr>
+        </p:nvSpPr>
+        <p:spPr/>
+        <p:txBody>
+          <a:bodyPr/>
+          <a:lstStyle/>
+          <a:p>
+            <a:r>
+              <a:rPr lang="en-US" dirty="0" smtClean="0"/>
+              <a:t>Convolutional neural network</a:t>
+            </a:r>
+          </a:p>
+          <a:p>
+            <a:r>
+              <a:rPr lang="en-US" dirty="0" smtClean="0"/>
+              <a:t>Long</a:t>
+            </a:r>
+            <a:r>
+              <a:rPr lang="en-US" baseline="0" dirty="0" smtClean="0"/>
+              <a:t> short </a:t>
+            </a:r>
+            <a:r>
+              <a:rPr lang="en-US" baseline="0" smtClean="0"/>
+              <a:t>term memory</a:t>
+            </a:r>
+            <a:endParaRPr lang="en-US"/>
+          </a:p>
+        </p:txBody>
+      </p:sp>
+      <p:sp>
+        <p:nvSpPr>
+          <p:cNvPr id="4" name="Slide Number Placeholder 3"/>
+          <p:cNvSpPr>
+            <a:spLocks noGrp="1"/>
+          </p:cNvSpPr>
+          <p:nvPr>
+            <p:ph type="sldNum" sz="quarter" idx="10"/>
+          </p:nvPr>
+        </p:nvSpPr>
+        <p:spPr/>
+        <p:txBody>
+          <a:bodyPr/>
+          <a:lstStyle/>
+          <a:p>
+            <a:fld id="{C341CAAC-71A7-4364-B361-21D8DE523C08}" type="slidenum">
+              <a:rPr lang="en-US" smtClean="0"/>
+              <a:t>18</a:t>
+            </a:fld>
+            <a:endParaRPr lang="en-US"/>
+          </a:p>
+        </p:txBody>
+      </p:sp>
+    </p:spTree>
+    <p:extLst>
+      <p:ext uri="{BB962C8B-B14F-4D97-AF65-F5344CB8AC3E}">
+        <p14:creationId xmlns:p14="http://schemas.microsoft.com/office/powerpoint/2010/main" val="775537227"/>
       </p:ext>
     </p:extLst>
   </p:cSld>
@@ -3628,11 +3830,7 @@
             <a:pPr lvl="1"/>
             <a:r>
               <a:rPr lang="en-US" dirty="0"/>
-              <a:t>Normalization			</a:t>
-            </a:r>
-            <a:r>
-              <a:rPr lang="en-US" dirty="0"/>
-              <a:t>Batch</a:t>
+              <a:t>Normalization			Batch</a:t>
             </a:r>
           </a:p>
           <a:p>
@@ -4740,7 +4938,15 @@
           <a:p>
             <a:r>
               <a:rPr lang="en-US" dirty="0"/>
-              <a:t>Test set classification accuracy after training: 51% - 52%</a:t>
+              <a:t>Test set classification accuracy after training: </a:t>
+            </a:r>
+            <a:r>
+              <a:rPr lang="en-US" dirty="0" smtClean="0"/>
+              <a:t>50% </a:t>
+            </a:r>
+            <a:r>
+              <a:rPr lang="en-US" dirty="0"/>
+              <a:t>- 52%</a:t>
             </a:r>
           </a:p>
           <a:p>
@@ -5407,7 +5613,7 @@
           <p:nvPr/>
         </p:nvPicPr>
         <p:blipFill>
-          <a:blip r:embed="rId2"/>
+          <a:blip r:embed="rId3"/>
           <a:stretch>
             <a:fillRect/>
           </a:stretch>
@@ -6007,19 +6213,56 @@
           <a:p>
             <a:r>
               <a:rPr lang="en-US" dirty="0"/>
-              <a:t>Extract Subjective Information</a:t>
+              <a:t>Extract Subjective </a:t>
+            </a:r>
+            <a:r>
+              <a:rPr lang="en-US" dirty="0" smtClean="0"/>
+              <a:t>Information</a:t>
             </a:r>
           </a:p>
           <a:p>
             <a:pPr marL="0" indent="0">
               <a:buNone/>
             </a:pPr>
+            <a:endParaRPr lang="en-US" dirty="0" smtClean="0"/>
+          </a:p>
+          <a:p>
+            <a:r>
+              <a:rPr lang="en-US" dirty="0" smtClean="0"/>
+              <a:t>Is a </a:t>
+            </a:r>
+            <a:r>
+              <a:rPr lang="en-US" dirty="0" smtClean="0"/>
+              <a:t>tweet</a:t>
+            </a:r>
+            <a:r>
+              <a:rPr lang="en-US" dirty="0" smtClean="0"/>
+              <a:t> positive, negative, </a:t>
+            </a:r>
+            <a:r>
+              <a:rPr lang="en-US" dirty="0"/>
+              <a:t>or </a:t>
+            </a:r>
+            <a:r>
+              <a:rPr lang="en-US" dirty="0" smtClean="0"/>
+              <a:t>neutral</a:t>
+            </a:r>
+          </a:p>
+          <a:p>
             <a:endParaRPr lang="en-US" dirty="0"/>
           </a:p>
           <a:p>
             <a:r>
-              <a:rPr lang="en-US" dirty="0"/>
-              <a:t>Is the text good, bad, or neutral</a:t>
+              <a:rPr lang="en-US" dirty="0" smtClean="0"/>
+              <a:t>The </a:t>
+            </a:r>
+            <a:r>
+              <a:rPr lang="en-US" dirty="0"/>
+              <a:t>data was provided in a competition from </a:t>
+            </a:r>
+            <a:r>
+              <a:rPr lang="en-US" dirty="0" smtClean="0"/>
+              <a:t>semEval2017</a:t>
             </a:r>
           </a:p>
           <a:p>
@@ -6027,18 +6270,18 @@
           </a:p>
           <a:p>
             <a:r>
-              <a:rPr lang="en-US" dirty="0"/>
-              <a:t>The data was provided in a competition from semEval2017</a:t>
-            </a:r>
-          </a:p>
-          <a:p>
+              <a:rPr lang="en-US" dirty="0" smtClean="0"/>
+              <a:t>There </a:t>
+            </a:r>
+            <a:r>
+              <a:rPr lang="en-US" dirty="0"/>
+              <a:t>were 48 participants, and 38 in </a:t>
+            </a:r>
+            <a:r>
+              <a:rPr lang="en-US" dirty="0" smtClean="0"/>
+              <a:t>this subtask</a:t>
+            </a:r>
             <a:endParaRPr lang="en-US" dirty="0"/>
-          </a:p>
-          <a:p>
-            <a:r>
-              <a:rPr lang="en-US" dirty="0"/>
-              <a:t>There were 48 participants, and 38 in English subtask A</a:t>
-            </a:r>
           </a:p>
         </p:txBody>
       </p:sp>
